--- a/data/Защита проекта/Презентация.pptx
+++ b/data/Защита проекта/Презентация.pptx
@@ -7,14 +7,13 @@
   <p:sldIdLst>
     <p:sldId id="256" r:id="rId2"/>
     <p:sldId id="257" r:id="rId3"/>
-    <p:sldId id="258" r:id="rId4"/>
+    <p:sldId id="268" r:id="rId4"/>
     <p:sldId id="262" r:id="rId5"/>
     <p:sldId id="263" r:id="rId6"/>
     <p:sldId id="264" r:id="rId7"/>
     <p:sldId id="265" r:id="rId8"/>
-    <p:sldId id="266" r:id="rId9"/>
-    <p:sldId id="267" r:id="rId10"/>
-    <p:sldId id="260" r:id="rId11"/>
+    <p:sldId id="267" r:id="rId9"/>
+    <p:sldId id="260" r:id="rId10"/>
   </p:sldIdLst>
   <p:sldSz cx="12192000" cy="6858000"/>
   <p:notesSz cx="6858000" cy="9144000"/>
@@ -290,7 +289,7 @@
           <a:p>
             <a:fld id="{563E5BCA-6DD0-49F2-BA07-C6C2D4BEA2B0}" type="datetimeFigureOut">
               <a:rPr lang="ru-RU" smtClean="0"/>
-              <a:t>23.04.2020</a:t>
+              <a:t>24.04.2020</a:t>
             </a:fld>
             <a:endParaRPr lang="ru-RU"/>
           </a:p>
@@ -620,7 +619,7 @@
           <a:p>
             <a:fld id="{563E5BCA-6DD0-49F2-BA07-C6C2D4BEA2B0}" type="datetimeFigureOut">
               <a:rPr lang="ru-RU" smtClean="0"/>
-              <a:t>23.04.2020</a:t>
+              <a:t>24.04.2020</a:t>
             </a:fld>
             <a:endParaRPr lang="ru-RU"/>
           </a:p>
@@ -800,7 +799,7 @@
           <a:p>
             <a:fld id="{563E5BCA-6DD0-49F2-BA07-C6C2D4BEA2B0}" type="datetimeFigureOut">
               <a:rPr lang="ru-RU" smtClean="0"/>
-              <a:t>23.04.2020</a:t>
+              <a:t>24.04.2020</a:t>
             </a:fld>
             <a:endParaRPr lang="ru-RU"/>
           </a:p>
@@ -970,7 +969,7 @@
           <a:p>
             <a:fld id="{563E5BCA-6DD0-49F2-BA07-C6C2D4BEA2B0}" type="datetimeFigureOut">
               <a:rPr lang="ru-RU" smtClean="0"/>
-              <a:t>23.04.2020</a:t>
+              <a:t>24.04.2020</a:t>
             </a:fld>
             <a:endParaRPr lang="ru-RU"/>
           </a:p>
@@ -1247,7 +1246,7 @@
           <a:p>
             <a:fld id="{563E5BCA-6DD0-49F2-BA07-C6C2D4BEA2B0}" type="datetimeFigureOut">
               <a:rPr lang="ru-RU" smtClean="0"/>
-              <a:t>23.04.2020</a:t>
+              <a:t>24.04.2020</a:t>
             </a:fld>
             <a:endParaRPr lang="ru-RU"/>
           </a:p>
@@ -1641,7 +1640,7 @@
           <a:p>
             <a:fld id="{563E5BCA-6DD0-49F2-BA07-C6C2D4BEA2B0}" type="datetimeFigureOut">
               <a:rPr lang="ru-RU" smtClean="0"/>
-              <a:t>23.04.2020</a:t>
+              <a:t>24.04.2020</a:t>
             </a:fld>
             <a:endParaRPr lang="ru-RU"/>
           </a:p>
@@ -2118,7 +2117,7 @@
           <a:p>
             <a:fld id="{563E5BCA-6DD0-49F2-BA07-C6C2D4BEA2B0}" type="datetimeFigureOut">
               <a:rPr lang="ru-RU" smtClean="0"/>
-              <a:t>23.04.2020</a:t>
+              <a:t>24.04.2020</a:t>
             </a:fld>
             <a:endParaRPr lang="ru-RU"/>
           </a:p>
@@ -2236,7 +2235,7 @@
           <a:p>
             <a:fld id="{563E5BCA-6DD0-49F2-BA07-C6C2D4BEA2B0}" type="datetimeFigureOut">
               <a:rPr lang="ru-RU" smtClean="0"/>
-              <a:t>23.04.2020</a:t>
+              <a:t>24.04.2020</a:t>
             </a:fld>
             <a:endParaRPr lang="ru-RU"/>
           </a:p>
@@ -2331,7 +2330,7 @@
           <a:p>
             <a:fld id="{563E5BCA-6DD0-49F2-BA07-C6C2D4BEA2B0}" type="datetimeFigureOut">
               <a:rPr lang="ru-RU" smtClean="0"/>
-              <a:t>23.04.2020</a:t>
+              <a:t>24.04.2020</a:t>
             </a:fld>
             <a:endParaRPr lang="ru-RU"/>
           </a:p>
@@ -2677,7 +2676,7 @@
           <a:p>
             <a:fld id="{563E5BCA-6DD0-49F2-BA07-C6C2D4BEA2B0}" type="datetimeFigureOut">
               <a:rPr lang="ru-RU" smtClean="0"/>
-              <a:t>23.04.2020</a:t>
+              <a:t>24.04.2020</a:t>
             </a:fld>
             <a:endParaRPr lang="ru-RU"/>
           </a:p>
@@ -3065,7 +3064,7 @@
           <a:p>
             <a:fld id="{563E5BCA-6DD0-49F2-BA07-C6C2D4BEA2B0}" type="datetimeFigureOut">
               <a:rPr lang="ru-RU" smtClean="0"/>
-              <a:t>23.04.2020</a:t>
+              <a:t>24.04.2020</a:t>
             </a:fld>
             <a:endParaRPr lang="ru-RU"/>
           </a:p>
@@ -3343,7 +3342,7 @@
           <a:p>
             <a:fld id="{563E5BCA-6DD0-49F2-BA07-C6C2D4BEA2B0}" type="datetimeFigureOut">
               <a:rPr lang="ru-RU" smtClean="0"/>
-              <a:t>23.04.2020</a:t>
+              <a:t>24.04.2020</a:t>
             </a:fld>
             <a:endParaRPr lang="ru-RU"/>
           </a:p>
@@ -3878,16 +3877,12 @@
           <a:p>
             <a:pPr algn="ctr"/>
             <a:r>
-              <a:rPr lang="ru-RU" sz="3600" cap="small">
+              <a:rPr lang="ru-RU" sz="3600" cap="small" dirty="0">
                 <a:latin typeface="Arial" panose="020B0604020202020204" pitchFamily="34" charset="0"/>
                 <a:cs typeface="Arial" panose="020B0604020202020204" pitchFamily="34" charset="0"/>
               </a:rPr>
-              <a:t>Бот помощник</a:t>
-            </a:r>
-            <a:endParaRPr lang="ru-RU" sz="3600" cap="small" dirty="0">
-              <a:latin typeface="Arial" panose="020B0604020202020204" pitchFamily="34" charset="0"/>
-              <a:cs typeface="Arial" panose="020B0604020202020204" pitchFamily="34" charset="0"/>
-            </a:endParaRPr>
+              <a:t>Бот помощник учителя</a:t>
+            </a:r>
           </a:p>
         </p:txBody>
       </p:sp>
@@ -3912,6 +3907,21 @@
           <a:bodyPr/>
           <a:lstStyle/>
           <a:p>
+            <a:pPr algn="r"/>
+            <a:r>
+              <a:rPr lang="ru-RU" dirty="0">
+                <a:latin typeface="Arial" panose="020B0604020202020204" pitchFamily="34" charset="0"/>
+                <a:cs typeface="Arial" panose="020B0604020202020204" pitchFamily="34" charset="0"/>
+              </a:rPr>
+              <a:t>Сделал </a:t>
+            </a:r>
+            <a:r>
+              <a:rPr lang="en-US" dirty="0">
+                <a:latin typeface="Arial" panose="020B0604020202020204" pitchFamily="34" charset="0"/>
+                <a:cs typeface="Arial" panose="020B0604020202020204" pitchFamily="34" charset="0"/>
+              </a:rPr>
+              <a:t>:</a:t>
+            </a:r>
             <a:r>
               <a:rPr lang="ru-RU" dirty="0">
                 <a:latin typeface="Arial" panose="020B0604020202020204" pitchFamily="34" charset="0"/>
@@ -3951,7 +3961,7 @@
         </p:blipFill>
         <p:spPr bwMode="auto">
           <a:xfrm>
-            <a:off x="8157278" y="3914434"/>
+            <a:off x="1278306" y="3676246"/>
             <a:ext cx="1652632" cy="1646302"/>
           </a:xfrm>
           <a:prstGeom prst="rect">
@@ -3973,124 +3983,6 @@
     <p:extLst>
       <p:ext uri="{BB962C8B-B14F-4D97-AF65-F5344CB8AC3E}">
         <p14:creationId xmlns:p14="http://schemas.microsoft.com/office/powerpoint/2010/main" val="891556874"/>
-      </p:ext>
-    </p:extLst>
-  </p:cSld>
-  <p:clrMapOvr>
-    <a:masterClrMapping/>
-  </p:clrMapOvr>
-</p:sld>
-</file>
-
-<file path=ppt/slides/slide10.xml><?xml version="1.0" encoding="utf-8"?>
-<p:sld xmlns:a="http://schemas.openxmlformats.org/drawingml/2006/main" xmlns:r="http://schemas.openxmlformats.org/officeDocument/2006/relationships" xmlns:p="http://schemas.openxmlformats.org/presentationml/2006/main">
-  <p:cSld>
-    <p:spTree>
-      <p:nvGrpSpPr>
-        <p:cNvPr id="1" name=""/>
-        <p:cNvGrpSpPr/>
-        <p:nvPr/>
-      </p:nvGrpSpPr>
-      <p:grpSpPr>
-        <a:xfrm>
-          <a:off x="0" y="0"/>
-          <a:ext cx="0" cy="0"/>
-          <a:chOff x="0" y="0"/>
-          <a:chExt cx="0" cy="0"/>
-        </a:xfrm>
-      </p:grpSpPr>
-      <p:sp>
-        <p:nvSpPr>
-          <p:cNvPr id="2" name="Заголовок 1">
-            <a:extLst>
-              <a:ext uri="{FF2B5EF4-FFF2-40B4-BE49-F238E27FC236}">
-                <a16:creationId xmlns:a16="http://schemas.microsoft.com/office/drawing/2014/main" id="{37ACFA78-19E2-4883-AFC3-618CB3690016}"/>
-              </a:ext>
-            </a:extLst>
-          </p:cNvPr>
-          <p:cNvSpPr>
-            <a:spLocks noGrp="1"/>
-          </p:cNvSpPr>
-          <p:nvPr>
-            <p:ph type="title"/>
-          </p:nvPr>
-        </p:nvSpPr>
-        <p:spPr/>
-        <p:txBody>
-          <a:bodyPr/>
-          <a:lstStyle/>
-          <a:p>
-            <a:r>
-              <a:rPr lang="ru-RU" dirty="0"/>
-              <a:t>								</a:t>
-            </a:r>
-            <a:r>
-              <a:rPr lang="en-US" dirty="0"/>
-              <a:t>		   			  </a:t>
-            </a:r>
-            <a:r>
-              <a:rPr lang="ru-RU" dirty="0">
-                <a:latin typeface="Arial" panose="020B0604020202020204" pitchFamily="34" charset="0"/>
-                <a:cs typeface="Arial" panose="020B0604020202020204" pitchFamily="34" charset="0"/>
-              </a:rPr>
-              <a:t>Заключение</a:t>
-            </a:r>
-          </a:p>
-        </p:txBody>
-      </p:sp>
-      <p:pic>
-        <p:nvPicPr>
-          <p:cNvPr id="4098" name="Picture 2" descr="Приложения в Google Play – Discord — друзья, сообщества и игры">
-            <a:extLst>
-              <a:ext uri="{FF2B5EF4-FFF2-40B4-BE49-F238E27FC236}">
-                <a16:creationId xmlns:a16="http://schemas.microsoft.com/office/drawing/2014/main" id="{15C8237E-EF1E-4A81-80DD-798FD2800DC6}"/>
-              </a:ext>
-            </a:extLst>
-          </p:cNvPr>
-          <p:cNvPicPr>
-            <a:picLocks noGrp="1" noChangeAspect="1" noChangeArrowheads="1"/>
-          </p:cNvPicPr>
-          <p:nvPr>
-            <p:ph idx="1"/>
-          </p:nvPr>
-        </p:nvPicPr>
-        <p:blipFill>
-          <a:blip r:embed="rId2">
-            <a:extLst>
-              <a:ext uri="{28A0092B-C50C-407E-A947-70E740481C1C}">
-                <a14:useLocalDpi xmlns:a14="http://schemas.microsoft.com/office/drawing/2010/main" val="0"/>
-              </a:ext>
-            </a:extLst>
-          </a:blip>
-          <a:srcRect/>
-          <a:stretch>
-            <a:fillRect/>
-          </a:stretch>
-        </p:blipFill>
-        <p:spPr bwMode="auto">
-          <a:xfrm>
-            <a:off x="4155281" y="2290763"/>
-            <a:ext cx="3881437" cy="3881437"/>
-          </a:xfrm>
-          <a:prstGeom prst="rect">
-            <a:avLst/>
-          </a:prstGeom>
-          <a:noFill/>
-          <a:extLst>
-            <a:ext uri="{909E8E84-426E-40DD-AFC4-6F175D3DCCD1}">
-              <a14:hiddenFill xmlns:a14="http://schemas.microsoft.com/office/drawing/2010/main">
-                <a:solidFill>
-                  <a:srgbClr val="FFFFFF"/>
-                </a:solidFill>
-              </a14:hiddenFill>
-            </a:ext>
-          </a:extLst>
-        </p:spPr>
-      </p:pic>
-    </p:spTree>
-    <p:extLst>
-      <p:ext uri="{BB962C8B-B14F-4D97-AF65-F5344CB8AC3E}">
-        <p14:creationId xmlns:p14="http://schemas.microsoft.com/office/powerpoint/2010/main" val="418903400"/>
       </p:ext>
     </p:extLst>
   </p:cSld>
@@ -4232,7 +4124,7 @@
           <p:cNvPr id="2" name="Заголовок 1">
             <a:extLst>
               <a:ext uri="{FF2B5EF4-FFF2-40B4-BE49-F238E27FC236}">
-                <a16:creationId xmlns:a16="http://schemas.microsoft.com/office/drawing/2014/main" id="{77D9ED66-92EB-49A7-8195-C012F9B4AB5B}"/>
+                <a16:creationId xmlns:a16="http://schemas.microsoft.com/office/drawing/2014/main" id="{60F372F7-13FC-4B63-A1DA-DFCBC7DE9D96}"/>
               </a:ext>
             </a:extLst>
           </p:cNvPr>
@@ -4243,20 +4135,12 @@
             <p:ph type="title"/>
           </p:nvPr>
         </p:nvSpPr>
-        <p:spPr>
-          <a:xfrm>
-            <a:off x="534721" y="3067575"/>
-            <a:ext cx="8596668" cy="1320800"/>
-          </a:xfrm>
-        </p:spPr>
+        <p:spPr/>
         <p:txBody>
           <a:bodyPr/>
           <a:lstStyle/>
           <a:p>
-            <a:r>
-              <a:rPr lang="ru-RU" dirty="0"/>
-              <a:t>							</a:t>
-            </a:r>
+            <a:pPr algn="ctr"/>
             <a:r>
               <a:rPr lang="ru-RU" dirty="0">
                 <a:latin typeface="Arial" panose="020B0604020202020204" pitchFamily="34" charset="0"/>
@@ -4269,10 +4153,10 @@
       </p:sp>
       <p:sp>
         <p:nvSpPr>
-          <p:cNvPr id="9" name="Объект 8">
+          <p:cNvPr id="3" name="Объект 2">
             <a:extLst>
               <a:ext uri="{FF2B5EF4-FFF2-40B4-BE49-F238E27FC236}">
-                <a16:creationId xmlns:a16="http://schemas.microsoft.com/office/drawing/2014/main" id="{2F1200A2-5259-4ADC-9826-072D7E20E286}"/>
+                <a16:creationId xmlns:a16="http://schemas.microsoft.com/office/drawing/2014/main" id="{FBDC49E3-CD9D-4C02-BEB2-E0AA6F2D27CA}"/>
               </a:ext>
             </a:extLst>
           </p:cNvPr>
@@ -4288,17 +4172,52 @@
           <a:bodyPr/>
           <a:lstStyle/>
           <a:p>
-            <a:pPr marL="2743200" lvl="6" indent="0">
-              <a:buNone/>
-            </a:pPr>
-            <a:endParaRPr lang="ru-RU" dirty="0"/>
+            <a:r>
+              <a:rPr lang="ru-RU" dirty="0">
+                <a:latin typeface="Arial" panose="020B0604020202020204" pitchFamily="34" charset="0"/>
+                <a:cs typeface="Arial" panose="020B0604020202020204" pitchFamily="34" charset="0"/>
+              </a:rPr>
+              <a:t>Я использовал </a:t>
+            </a:r>
+            <a:r>
+              <a:rPr lang="en-US" dirty="0" err="1">
+                <a:latin typeface="Arial" panose="020B0604020202020204" pitchFamily="34" charset="0"/>
+                <a:cs typeface="Arial" panose="020B0604020202020204" pitchFamily="34" charset="0"/>
+              </a:rPr>
+              <a:t>asyncio</a:t>
+            </a:r>
+            <a:r>
+              <a:rPr lang="en-US" dirty="0">
+                <a:latin typeface="Arial" panose="020B0604020202020204" pitchFamily="34" charset="0"/>
+                <a:cs typeface="Arial" panose="020B0604020202020204" pitchFamily="34" charset="0"/>
+              </a:rPr>
+              <a:t> , datetime , flask</a:t>
+            </a:r>
+            <a:r>
+              <a:rPr lang="ru-RU" dirty="0">
+                <a:latin typeface="Arial" panose="020B0604020202020204" pitchFamily="34" charset="0"/>
+                <a:cs typeface="Arial" panose="020B0604020202020204" pitchFamily="34" charset="0"/>
+              </a:rPr>
+              <a:t> в своём проекте</a:t>
+            </a:r>
+            <a:r>
+              <a:rPr lang="en-US" dirty="0">
+                <a:latin typeface="Arial" panose="020B0604020202020204" pitchFamily="34" charset="0"/>
+                <a:cs typeface="Arial" panose="020B0604020202020204" pitchFamily="34" charset="0"/>
+              </a:rPr>
+              <a:t>.</a:t>
+            </a:r>
+            <a:endParaRPr lang="ru-RU" dirty="0">
+              <a:latin typeface="Arial" panose="020B0604020202020204" pitchFamily="34" charset="0"/>
+              <a:cs typeface="Arial" panose="020B0604020202020204" pitchFamily="34" charset="0"/>
+            </a:endParaRPr>
           </a:p>
         </p:txBody>
       </p:sp>
     </p:spTree>
     <p:extLst>
       <p:ext uri="{BB962C8B-B14F-4D97-AF65-F5344CB8AC3E}">
-        <p14:creationId xmlns:p14="http://schemas.microsoft.com/office/powerpoint/2010/main" val="3748730114"/>
+        <p14:creationId xmlns:p14="http://schemas.microsoft.com/office/powerpoint/2010/main" val="484036208"/>
       </p:ext>
     </p:extLst>
   </p:cSld>
@@ -4492,6 +4411,18 @@
           <a:bodyPr/>
           <a:lstStyle/>
           <a:p>
+            <a:r>
+              <a:rPr lang="en-US" dirty="0"/>
+              <a:t>        </a:t>
+            </a:r>
+            <a:r>
+              <a:rPr lang="ru-RU" dirty="0"/>
+              <a:t>Канал </a:t>
+            </a:r>
+            <a:r>
+              <a:rPr lang="en-US" dirty="0"/>
+              <a:t>commands</a:t>
+            </a:r>
             <a:endParaRPr lang="ru-RU" dirty="0"/>
           </a:p>
         </p:txBody>
@@ -4552,7 +4483,14 @@
           <a:bodyPr/>
           <a:lstStyle/>
           <a:p>
-            <a:endParaRPr lang="ru-RU"/>
+            <a:r>
+              <a:rPr lang="en-US" dirty="0"/>
+              <a:t>     </a:t>
+            </a:r>
+            <a:r>
+              <a:rPr lang="ru-RU" dirty="0"/>
+              <a:t>Основной канал</a:t>
+            </a:r>
           </a:p>
         </p:txBody>
       </p:sp>
@@ -4929,7 +4867,7 @@
           <p:cNvPr id="2" name="Заголовок 1">
             <a:extLst>
               <a:ext uri="{FF2B5EF4-FFF2-40B4-BE49-F238E27FC236}">
-                <a16:creationId xmlns:a16="http://schemas.microsoft.com/office/drawing/2014/main" id="{2CCE81AB-70C9-43E1-A75F-4948095CCFF0}"/>
+                <a16:creationId xmlns:a16="http://schemas.microsoft.com/office/drawing/2014/main" id="{8574CBCB-731F-4443-B6E0-2F1879F25915}"/>
               </a:ext>
             </a:extLst>
           </p:cNvPr>
@@ -4946,104 +4884,57 @@
           <a:lstStyle/>
           <a:p>
             <a:r>
-              <a:rPr lang="ru-RU" dirty="0"/>
-              <a:t>								</a:t>
+              <a:rPr lang="en-US" dirty="0">
+                <a:latin typeface="Arial" panose="020B0604020202020204" pitchFamily="34" charset="0"/>
+                <a:cs typeface="Arial" panose="020B0604020202020204" pitchFamily="34" charset="0"/>
+              </a:rPr>
+              <a:t>							</a:t>
             </a:r>
             <a:r>
               <a:rPr lang="ru-RU" dirty="0">
                 <a:latin typeface="Arial" panose="020B0604020202020204" pitchFamily="34" charset="0"/>
                 <a:cs typeface="Arial" panose="020B0604020202020204" pitchFamily="34" charset="0"/>
               </a:rPr>
-              <a:t>Таймер</a:t>
-            </a:r>
-          </a:p>
-        </p:txBody>
-      </p:sp>
-      <p:sp>
-        <p:nvSpPr>
-          <p:cNvPr id="13" name="Объект 12">
+              <a:t>	  			          Функция </a:t>
+            </a:r>
+            <a:r>
+              <a:rPr lang="en-US" dirty="0">
+                <a:latin typeface="Arial" panose="020B0604020202020204" pitchFamily="34" charset="0"/>
+                <a:cs typeface="Arial" panose="020B0604020202020204" pitchFamily="34" charset="0"/>
+              </a:rPr>
+              <a:t>!</a:t>
+            </a:r>
+            <a:r>
+              <a:rPr lang="en-US" dirty="0" err="1">
+                <a:latin typeface="Arial" panose="020B0604020202020204" pitchFamily="34" charset="0"/>
+                <a:cs typeface="Arial" panose="020B0604020202020204" pitchFamily="34" charset="0"/>
+              </a:rPr>
+              <a:t>update_time</a:t>
+            </a:r>
+            <a:endParaRPr lang="ru-RU" dirty="0">
+              <a:latin typeface="Arial" panose="020B0604020202020204" pitchFamily="34" charset="0"/>
+              <a:cs typeface="Arial" panose="020B0604020202020204" pitchFamily="34" charset="0"/>
+            </a:endParaRPr>
+          </a:p>
+        </p:txBody>
+      </p:sp>
+      <p:pic>
+        <p:nvPicPr>
+          <p:cNvPr id="11" name="Объект 10">
             <a:extLst>
               <a:ext uri="{FF2B5EF4-FFF2-40B4-BE49-F238E27FC236}">
-                <a16:creationId xmlns:a16="http://schemas.microsoft.com/office/drawing/2014/main" id="{9E23326D-0391-4874-B64A-EE58A75959C2}"/>
-              </a:ext>
-            </a:extLst>
-          </p:cNvPr>
-          <p:cNvSpPr>
-            <a:spLocks noGrp="1"/>
-          </p:cNvSpPr>
-          <p:nvPr>
-            <p:ph idx="1"/>
-          </p:nvPr>
-        </p:nvSpPr>
-        <p:spPr/>
-        <p:txBody>
-          <a:bodyPr/>
-          <a:lstStyle/>
-          <a:p>
-            <a:endParaRPr lang="ru-RU" dirty="0"/>
-          </a:p>
-        </p:txBody>
-      </p:sp>
-      <p:sp>
-        <p:nvSpPr>
-          <p:cNvPr id="3" name="AutoShape 2">
-            <a:extLst>
-              <a:ext uri="{FF2B5EF4-FFF2-40B4-BE49-F238E27FC236}">
-                <a16:creationId xmlns:a16="http://schemas.microsoft.com/office/drawing/2014/main" id="{061DFFBA-E8B3-4C51-BD1F-020D49C7269E}"/>
-              </a:ext>
-            </a:extLst>
-          </p:cNvPr>
-          <p:cNvSpPr>
-            <a:spLocks noChangeAspect="1" noChangeArrowheads="1"/>
-          </p:cNvSpPr>
-          <p:nvPr/>
-        </p:nvSpPr>
-        <p:spPr bwMode="auto">
-          <a:xfrm>
-            <a:off x="5943600" y="1930400"/>
-            <a:ext cx="304800" cy="1651000"/>
-          </a:xfrm>
-          <a:prstGeom prst="rect">
-            <a:avLst/>
-          </a:prstGeom>
-          <a:noFill/>
-          <a:extLst>
-            <a:ext uri="{909E8E84-426E-40DD-AFC4-6F175D3DCCD1}">
-              <a14:hiddenFill xmlns:a14="http://schemas.microsoft.com/office/drawing/2010/main">
-                <a:solidFill>
-                  <a:srgbClr val="FFFFFF"/>
-                </a:solidFill>
-              </a14:hiddenFill>
-            </a:ext>
-          </a:extLst>
-        </p:spPr>
-        <p:txBody>
-          <a:bodyPr vert="horz" wrap="square" lIns="91440" tIns="45720" rIns="91440" bIns="45720" numCol="1" anchor="t" anchorCtr="0" compatLnSpc="1">
-            <a:prstTxWarp prst="textNoShape">
-              <a:avLst/>
-            </a:prstTxWarp>
-          </a:bodyPr>
-          <a:lstStyle/>
-          <a:p>
-            <a:endParaRPr lang="ru-RU"/>
-          </a:p>
-        </p:txBody>
-      </p:sp>
-      <p:pic>
-        <p:nvPicPr>
-          <p:cNvPr id="18" name="Объект 6">
-            <a:extLst>
-              <a:ext uri="{FF2B5EF4-FFF2-40B4-BE49-F238E27FC236}">
-                <a16:creationId xmlns:a16="http://schemas.microsoft.com/office/drawing/2014/main" id="{8A8A007C-352A-441C-B018-ABFFCFB63FF0}"/>
+                <a16:creationId xmlns:a16="http://schemas.microsoft.com/office/drawing/2014/main" id="{C295A8AF-3823-4083-9EB3-3DC830961DA0}"/>
               </a:ext>
             </a:extLst>
           </p:cNvPr>
           <p:cNvPicPr>
-            <a:picLocks noChangeAspect="1"/>
+            <a:picLocks noGrp="1" noChangeAspect="1"/>
           </p:cNvPicPr>
-          <p:nvPr/>
+          <p:nvPr>
+            <p:ph idx="1"/>
+          </p:nvPr>
         </p:nvPicPr>
-        <p:blipFill rotWithShape="1">
+        <p:blipFill>
           <a:blip r:embed="rId2">
             <a:extLst>
               <a:ext uri="{28A0092B-C50C-407E-A947-70E740481C1C}">
@@ -5051,23 +4942,21 @@
               </a:ext>
             </a:extLst>
           </a:blip>
-          <a:srcRect l="3130" t="6149" r="5790" b="1779"/>
-          <a:stretch/>
+          <a:stretch>
+            <a:fillRect/>
+          </a:stretch>
         </p:blipFill>
         <p:spPr>
           <a:xfrm>
-            <a:off x="4325923" y="2006585"/>
-            <a:ext cx="3540154" cy="3573710"/>
-          </a:xfrm>
-          <a:prstGeom prst="rect">
-            <a:avLst/>
-          </a:prstGeom>
+            <a:off x="4819461" y="3781384"/>
+            <a:ext cx="2705478" cy="590632"/>
+          </a:xfrm>
         </p:spPr>
       </p:pic>
     </p:spTree>
     <p:extLst>
       <p:ext uri="{BB962C8B-B14F-4D97-AF65-F5344CB8AC3E}">
-        <p14:creationId xmlns:p14="http://schemas.microsoft.com/office/powerpoint/2010/main" val="3653867895"/>
+        <p14:creationId xmlns:p14="http://schemas.microsoft.com/office/powerpoint/2010/main" val="973421576"/>
       </p:ext>
     </p:extLst>
   </p:cSld>
@@ -5099,7 +4988,7 @@
           <p:cNvPr id="2" name="Заголовок 1">
             <a:extLst>
               <a:ext uri="{FF2B5EF4-FFF2-40B4-BE49-F238E27FC236}">
-                <a16:creationId xmlns:a16="http://schemas.microsoft.com/office/drawing/2014/main" id="{8574CBCB-731F-4443-B6E0-2F1879F25915}"/>
+                <a16:creationId xmlns:a16="http://schemas.microsoft.com/office/drawing/2014/main" id="{37ACFA78-19E2-4883-AFC3-618CB3690016}"/>
               </a:ext>
             </a:extLst>
           </p:cNvPr>
@@ -5116,51 +5005,34 @@
           <a:lstStyle/>
           <a:p>
             <a:r>
-              <a:rPr lang="en-US" dirty="0">
-                <a:latin typeface="Arial" panose="020B0604020202020204" pitchFamily="34" charset="0"/>
-                <a:cs typeface="Arial" panose="020B0604020202020204" pitchFamily="34" charset="0"/>
-              </a:rPr>
-              <a:t>							</a:t>
+              <a:rPr lang="ru-RU" dirty="0"/>
+              <a:t>								</a:t>
+            </a:r>
+            <a:r>
+              <a:rPr lang="en-US" dirty="0"/>
+              <a:t>		   			  </a:t>
             </a:r>
             <a:r>
               <a:rPr lang="ru-RU" dirty="0">
                 <a:latin typeface="Arial" panose="020B0604020202020204" pitchFamily="34" charset="0"/>
                 <a:cs typeface="Arial" panose="020B0604020202020204" pitchFamily="34" charset="0"/>
               </a:rPr>
-              <a:t>	  			               </a:t>
-            </a:r>
-            <a:r>
-              <a:rPr lang="en-US" dirty="0">
-                <a:latin typeface="Arial" panose="020B0604020202020204" pitchFamily="34" charset="0"/>
-                <a:cs typeface="Arial" panose="020B0604020202020204" pitchFamily="34" charset="0"/>
-              </a:rPr>
-              <a:t>!</a:t>
-            </a:r>
-            <a:r>
-              <a:rPr lang="en-US" dirty="0" err="1">
-                <a:latin typeface="Arial" panose="020B0604020202020204" pitchFamily="34" charset="0"/>
-                <a:cs typeface="Arial" panose="020B0604020202020204" pitchFamily="34" charset="0"/>
-              </a:rPr>
-              <a:t>update_time</a:t>
-            </a:r>
-            <a:endParaRPr lang="ru-RU" dirty="0">
-              <a:latin typeface="Arial" panose="020B0604020202020204" pitchFamily="34" charset="0"/>
-              <a:cs typeface="Arial" panose="020B0604020202020204" pitchFamily="34" charset="0"/>
-            </a:endParaRPr>
+              <a:t>Заключение</a:t>
+            </a:r>
           </a:p>
         </p:txBody>
       </p:sp>
       <p:pic>
         <p:nvPicPr>
-          <p:cNvPr id="11" name="Объект 10">
+          <p:cNvPr id="4098" name="Picture 2" descr="Приложения в Google Play – Discord — друзья, сообщества и игры">
             <a:extLst>
               <a:ext uri="{FF2B5EF4-FFF2-40B4-BE49-F238E27FC236}">
-                <a16:creationId xmlns:a16="http://schemas.microsoft.com/office/drawing/2014/main" id="{C295A8AF-3823-4083-9EB3-3DC830961DA0}"/>
+                <a16:creationId xmlns:a16="http://schemas.microsoft.com/office/drawing/2014/main" id="{15C8237E-EF1E-4A81-80DD-798FD2800DC6}"/>
               </a:ext>
             </a:extLst>
           </p:cNvPr>
           <p:cNvPicPr>
-            <a:picLocks noGrp="1" noChangeAspect="1"/>
+            <a:picLocks noGrp="1" noChangeAspect="1" noChangeArrowheads="1"/>
           </p:cNvPicPr>
           <p:nvPr>
             <p:ph idx="1"/>
@@ -5174,21 +5046,35 @@
               </a:ext>
             </a:extLst>
           </a:blip>
+          <a:srcRect/>
           <a:stretch>
             <a:fillRect/>
           </a:stretch>
         </p:blipFill>
-        <p:spPr>
-          <a:xfrm>
-            <a:off x="4819461" y="3781384"/>
-            <a:ext cx="2705478" cy="590632"/>
-          </a:xfrm>
+        <p:spPr bwMode="auto">
+          <a:xfrm>
+            <a:off x="4155281" y="2290763"/>
+            <a:ext cx="3881437" cy="3881437"/>
+          </a:xfrm>
+          <a:prstGeom prst="rect">
+            <a:avLst/>
+          </a:prstGeom>
+          <a:noFill/>
+          <a:extLst>
+            <a:ext uri="{909E8E84-426E-40DD-AFC4-6F175D3DCCD1}">
+              <a14:hiddenFill xmlns:a14="http://schemas.microsoft.com/office/drawing/2010/main">
+                <a:solidFill>
+                  <a:srgbClr val="FFFFFF"/>
+                </a:solidFill>
+              </a14:hiddenFill>
+            </a:ext>
+          </a:extLst>
         </p:spPr>
       </p:pic>
     </p:spTree>
     <p:extLst>
       <p:ext uri="{BB962C8B-B14F-4D97-AF65-F5344CB8AC3E}">
-        <p14:creationId xmlns:p14="http://schemas.microsoft.com/office/powerpoint/2010/main" val="973421576"/>
+        <p14:creationId xmlns:p14="http://schemas.microsoft.com/office/powerpoint/2010/main" val="418903400"/>
       </p:ext>
     </p:extLst>
   </p:cSld>

--- a/data/Защита проекта/Презентация.pptx
+++ b/data/Защита проекта/Презентация.pptx
@@ -7,13 +7,12 @@
   <p:sldIdLst>
     <p:sldId id="256" r:id="rId2"/>
     <p:sldId id="257" r:id="rId3"/>
-    <p:sldId id="268" r:id="rId4"/>
-    <p:sldId id="262" r:id="rId5"/>
-    <p:sldId id="263" r:id="rId6"/>
-    <p:sldId id="264" r:id="rId7"/>
-    <p:sldId id="265" r:id="rId8"/>
-    <p:sldId id="267" r:id="rId9"/>
-    <p:sldId id="260" r:id="rId10"/>
+    <p:sldId id="262" r:id="rId4"/>
+    <p:sldId id="263" r:id="rId5"/>
+    <p:sldId id="264" r:id="rId6"/>
+    <p:sldId id="269" r:id="rId7"/>
+    <p:sldId id="267" r:id="rId8"/>
+    <p:sldId id="260" r:id="rId9"/>
   </p:sldIdLst>
   <p:sldSz cx="12192000" cy="6858000"/>
   <p:notesSz cx="6858000" cy="9144000"/>
@@ -3881,7 +3880,7 @@
                 <a:latin typeface="Arial" panose="020B0604020202020204" pitchFamily="34" charset="0"/>
                 <a:cs typeface="Arial" panose="020B0604020202020204" pitchFamily="34" charset="0"/>
               </a:rPr>
-              <a:t>Бот помощник учителя</a:t>
+              <a:t>помощник учителя</a:t>
             </a:r>
           </a:p>
         </p:txBody>
@@ -3913,7 +3912,7 @@
                 <a:latin typeface="Arial" panose="020B0604020202020204" pitchFamily="34" charset="0"/>
                 <a:cs typeface="Arial" panose="020B0604020202020204" pitchFamily="34" charset="0"/>
               </a:rPr>
-              <a:t>Сделал </a:t>
+              <a:t>Сделал</a:t>
             </a:r>
             <a:r>
               <a:rPr lang="en-US" dirty="0">
@@ -3927,7 +3926,7 @@
                 <a:latin typeface="Arial" panose="020B0604020202020204" pitchFamily="34" charset="0"/>
                 <a:cs typeface="Arial" panose="020B0604020202020204" pitchFamily="34" charset="0"/>
               </a:rPr>
-              <a:t>Бугаенко Савелий</a:t>
+              <a:t> Бугаенко Савелий</a:t>
             </a:r>
           </a:p>
         </p:txBody>
@@ -4124,7 +4123,7 @@
           <p:cNvPr id="2" name="Заголовок 1">
             <a:extLst>
               <a:ext uri="{FF2B5EF4-FFF2-40B4-BE49-F238E27FC236}">
-                <a16:creationId xmlns:a16="http://schemas.microsoft.com/office/drawing/2014/main" id="{60F372F7-13FC-4B63-A1DA-DFCBC7DE9D96}"/>
+                <a16:creationId xmlns:a16="http://schemas.microsoft.com/office/drawing/2014/main" id="{B6EA6956-53AB-438E-A3F4-F1E35C47BE49}"/>
               </a:ext>
             </a:extLst>
           </p:cNvPr>
@@ -4140,84 +4139,221 @@
           <a:bodyPr/>
           <a:lstStyle/>
           <a:p>
-            <a:pPr algn="ctr"/>
+            <a:r>
+              <a:rPr lang="ru-RU" dirty="0"/>
+              <a:t>			</a:t>
+            </a:r>
             <a:r>
               <a:rPr lang="ru-RU" dirty="0">
                 <a:latin typeface="Arial" panose="020B0604020202020204" pitchFamily="34" charset="0"/>
                 <a:cs typeface="Arial" panose="020B0604020202020204" pitchFamily="34" charset="0"/>
               </a:rPr>
-              <a:t>Технологии</a:t>
-            </a:r>
-          </a:p>
-        </p:txBody>
-      </p:sp>
-      <p:sp>
-        <p:nvSpPr>
-          <p:cNvPr id="3" name="Объект 2">
+              <a:t>Работа с ботом</a:t>
+            </a:r>
+          </a:p>
+        </p:txBody>
+      </p:sp>
+      <p:pic>
+        <p:nvPicPr>
+          <p:cNvPr id="13" name="Объект 12">
             <a:extLst>
               <a:ext uri="{FF2B5EF4-FFF2-40B4-BE49-F238E27FC236}">
-                <a16:creationId xmlns:a16="http://schemas.microsoft.com/office/drawing/2014/main" id="{FBDC49E3-CD9D-4C02-BEB2-E0AA6F2D27CA}"/>
+                <a16:creationId xmlns:a16="http://schemas.microsoft.com/office/drawing/2014/main" id="{B429BBA8-9FAE-4570-8F80-7543B4F716B4}"/>
               </a:ext>
             </a:extLst>
           </p:cNvPr>
-          <p:cNvSpPr>
-            <a:spLocks noGrp="1"/>
-          </p:cNvSpPr>
+          <p:cNvPicPr>
+            <a:picLocks noGrp="1" noChangeAspect="1"/>
+          </p:cNvPicPr>
           <p:nvPr>
             <p:ph idx="1"/>
           </p:nvPr>
-        </p:nvSpPr>
-        <p:spPr/>
-        <p:txBody>
-          <a:bodyPr/>
+        </p:nvPicPr>
+        <p:blipFill>
+          <a:blip r:embed="rId2">
+            <a:extLst>
+              <a:ext uri="{28A0092B-C50C-407E-A947-70E740481C1C}">
+                <a14:useLocalDpi xmlns:a14="http://schemas.microsoft.com/office/drawing/2010/main" val="0"/>
+              </a:ext>
+            </a:extLst>
+          </a:blip>
+          <a:stretch>
+            <a:fillRect/>
+          </a:stretch>
+        </p:blipFill>
+        <p:spPr>
+          <a:xfrm>
+            <a:off x="7476351" y="1891664"/>
+            <a:ext cx="2324424" cy="1400370"/>
+          </a:xfrm>
+        </p:spPr>
+      </p:pic>
+      <p:sp>
+        <p:nvSpPr>
+          <p:cNvPr id="3" name="TextBox 2">
+            <a:extLst>
+              <a:ext uri="{FF2B5EF4-FFF2-40B4-BE49-F238E27FC236}">
+                <a16:creationId xmlns:a16="http://schemas.microsoft.com/office/drawing/2014/main" id="{DFB9218D-3CE5-4FE5-AD02-4E7DF0C5391D}"/>
+              </a:ext>
+            </a:extLst>
+          </p:cNvPr>
+          <p:cNvSpPr txBox="1"/>
+          <p:nvPr/>
+        </p:nvSpPr>
+        <p:spPr>
+          <a:xfrm>
+            <a:off x="1378771" y="2127772"/>
+            <a:ext cx="5796793" cy="369332"/>
+          </a:xfrm>
+          <a:prstGeom prst="rect">
+            <a:avLst/>
+          </a:prstGeom>
+          <a:noFill/>
+        </p:spPr>
+        <p:txBody>
+          <a:bodyPr wrap="square" rtlCol="0">
+            <a:spAutoFit/>
+          </a:bodyPr>
           <a:lstStyle/>
           <a:p>
             <a:r>
-              <a:rPr lang="ru-RU" dirty="0">
-                <a:latin typeface="Arial" panose="020B0604020202020204" pitchFamily="34" charset="0"/>
-                <a:cs typeface="Arial" panose="020B0604020202020204" pitchFamily="34" charset="0"/>
-              </a:rPr>
-              <a:t>Я использовал </a:t>
-            </a:r>
-            <a:r>
-              <a:rPr lang="en-US" dirty="0" err="1">
-                <a:latin typeface="Arial" panose="020B0604020202020204" pitchFamily="34" charset="0"/>
-                <a:cs typeface="Arial" panose="020B0604020202020204" pitchFamily="34" charset="0"/>
-              </a:rPr>
-              <a:t>asyncio</a:t>
-            </a:r>
-            <a:r>
-              <a:rPr lang="en-US" dirty="0">
-                <a:latin typeface="Arial" panose="020B0604020202020204" pitchFamily="34" charset="0"/>
-                <a:cs typeface="Arial" panose="020B0604020202020204" pitchFamily="34" charset="0"/>
-              </a:rPr>
-              <a:t> , datetime , flask</a:t>
-            </a:r>
-            <a:r>
-              <a:rPr lang="ru-RU" dirty="0">
-                <a:latin typeface="Arial" panose="020B0604020202020204" pitchFamily="34" charset="0"/>
-                <a:cs typeface="Arial" panose="020B0604020202020204" pitchFamily="34" charset="0"/>
-              </a:rPr>
-              <a:t> в своём проекте</a:t>
-            </a:r>
-            <a:r>
-              <a:rPr lang="en-US" dirty="0">
-                <a:latin typeface="Arial" panose="020B0604020202020204" pitchFamily="34" charset="0"/>
-                <a:cs typeface="Arial" panose="020B0604020202020204" pitchFamily="34" charset="0"/>
-              </a:rPr>
-              <a:t>.</a:t>
-            </a:r>
-            <a:endParaRPr lang="ru-RU" dirty="0">
-              <a:latin typeface="Arial" panose="020B0604020202020204" pitchFamily="34" charset="0"/>
-              <a:cs typeface="Arial" panose="020B0604020202020204" pitchFamily="34" charset="0"/>
-            </a:endParaRPr>
+              <a:rPr lang="ru-RU" dirty="0"/>
+              <a:t>Вызов функций происходит здесь</a:t>
+            </a:r>
+          </a:p>
+        </p:txBody>
+      </p:sp>
+      <p:sp>
+        <p:nvSpPr>
+          <p:cNvPr id="4" name="Стрелка: вправо 3">
+            <a:extLst>
+              <a:ext uri="{FF2B5EF4-FFF2-40B4-BE49-F238E27FC236}">
+                <a16:creationId xmlns:a16="http://schemas.microsoft.com/office/drawing/2014/main" id="{00EF6907-EE5A-46F1-8430-2DC358C5067F}"/>
+              </a:ext>
+            </a:extLst>
+          </p:cNvPr>
+          <p:cNvSpPr/>
+          <p:nvPr/>
+        </p:nvSpPr>
+        <p:spPr>
+          <a:xfrm>
+            <a:off x="5322814" y="2143776"/>
+            <a:ext cx="1963024" cy="312431"/>
+          </a:xfrm>
+          <a:prstGeom prst="rightArrow">
+            <a:avLst/>
+          </a:prstGeom>
+        </p:spPr>
+        <p:style>
+          <a:lnRef idx="2">
+            <a:schemeClr val="accent1">
+              <a:shade val="50000"/>
+            </a:schemeClr>
+          </a:lnRef>
+          <a:fillRef idx="1">
+            <a:schemeClr val="accent1"/>
+          </a:fillRef>
+          <a:effectRef idx="0">
+            <a:schemeClr val="accent1"/>
+          </a:effectRef>
+          <a:fontRef idx="minor">
+            <a:schemeClr val="lt1"/>
+          </a:fontRef>
+        </p:style>
+        <p:txBody>
+          <a:bodyPr rtlCol="0" anchor="ctr"/>
+          <a:lstStyle/>
+          <a:p>
+            <a:pPr algn="ctr"/>
+            <a:endParaRPr lang="ru-RU"/>
+          </a:p>
+        </p:txBody>
+      </p:sp>
+      <p:sp>
+        <p:nvSpPr>
+          <p:cNvPr id="5" name="TextBox 4">
+            <a:extLst>
+              <a:ext uri="{FF2B5EF4-FFF2-40B4-BE49-F238E27FC236}">
+                <a16:creationId xmlns:a16="http://schemas.microsoft.com/office/drawing/2014/main" id="{59FA54F2-9B34-4194-B14D-DFFDAEB64138}"/>
+              </a:ext>
+            </a:extLst>
+          </p:cNvPr>
+          <p:cNvSpPr txBox="1"/>
+          <p:nvPr/>
+        </p:nvSpPr>
+        <p:spPr>
+          <a:xfrm>
+            <a:off x="3032619" y="3308038"/>
+            <a:ext cx="4938319" cy="369332"/>
+          </a:xfrm>
+          <a:prstGeom prst="rect">
+            <a:avLst/>
+          </a:prstGeom>
+          <a:noFill/>
+        </p:spPr>
+        <p:txBody>
+          <a:bodyPr wrap="square" rtlCol="0">
+            <a:spAutoFit/>
+          </a:bodyPr>
+          <a:lstStyle/>
+          <a:p>
+            <a:r>
+              <a:rPr lang="ru-RU" dirty="0"/>
+              <a:t>Результат отображается здесь</a:t>
+            </a:r>
+          </a:p>
+        </p:txBody>
+      </p:sp>
+      <p:sp>
+        <p:nvSpPr>
+          <p:cNvPr id="6" name="Стрелка: вправо 5">
+            <a:extLst>
+              <a:ext uri="{FF2B5EF4-FFF2-40B4-BE49-F238E27FC236}">
+                <a16:creationId xmlns:a16="http://schemas.microsoft.com/office/drawing/2014/main" id="{59D38ACB-0954-423C-8904-9856DE5710D2}"/>
+              </a:ext>
+            </a:extLst>
+          </p:cNvPr>
+          <p:cNvSpPr/>
+          <p:nvPr/>
+        </p:nvSpPr>
+        <p:spPr>
+          <a:xfrm rot="19192255">
+            <a:off x="6479097" y="3006827"/>
+            <a:ext cx="1073791" cy="264898"/>
+          </a:xfrm>
+          <a:prstGeom prst="rightArrow">
+            <a:avLst/>
+          </a:prstGeom>
+        </p:spPr>
+        <p:style>
+          <a:lnRef idx="2">
+            <a:schemeClr val="accent1">
+              <a:shade val="50000"/>
+            </a:schemeClr>
+          </a:lnRef>
+          <a:fillRef idx="1">
+            <a:schemeClr val="accent1"/>
+          </a:fillRef>
+          <a:effectRef idx="0">
+            <a:schemeClr val="accent1"/>
+          </a:effectRef>
+          <a:fontRef idx="minor">
+            <a:schemeClr val="lt1"/>
+          </a:fontRef>
+        </p:style>
+        <p:txBody>
+          <a:bodyPr rtlCol="0" anchor="ctr"/>
+          <a:lstStyle/>
+          <a:p>
+            <a:pPr algn="ctr"/>
+            <a:endParaRPr lang="ru-RU"/>
           </a:p>
         </p:txBody>
       </p:sp>
     </p:spTree>
     <p:extLst>
       <p:ext uri="{BB962C8B-B14F-4D97-AF65-F5344CB8AC3E}">
-        <p14:creationId xmlns:p14="http://schemas.microsoft.com/office/powerpoint/2010/main" val="484036208"/>
+        <p14:creationId xmlns:p14="http://schemas.microsoft.com/office/powerpoint/2010/main" val="2351234934"/>
       </p:ext>
     </p:extLst>
   </p:cSld>
@@ -4249,7 +4385,7 @@
           <p:cNvPr id="2" name="Заголовок 1">
             <a:extLst>
               <a:ext uri="{FF2B5EF4-FFF2-40B4-BE49-F238E27FC236}">
-                <a16:creationId xmlns:a16="http://schemas.microsoft.com/office/drawing/2014/main" id="{B6EA6956-53AB-438E-A3F4-F1E35C47BE49}"/>
+                <a16:creationId xmlns:a16="http://schemas.microsoft.com/office/drawing/2014/main" id="{3F9C71DD-895C-4815-89B5-224CC86E1D94}"/>
               </a:ext>
             </a:extLst>
           </p:cNvPr>
@@ -4267,24 +4403,72 @@
           <a:p>
             <a:r>
               <a:rPr lang="ru-RU" dirty="0"/>
-              <a:t>			</a:t>
+              <a:t>		 </a:t>
             </a:r>
             <a:r>
               <a:rPr lang="ru-RU" dirty="0">
                 <a:latin typeface="Arial" panose="020B0604020202020204" pitchFamily="34" charset="0"/>
                 <a:cs typeface="Arial" panose="020B0604020202020204" pitchFamily="34" charset="0"/>
               </a:rPr>
-              <a:t>Работа с ботом</a:t>
-            </a:r>
+              <a:t>Функция </a:t>
+            </a:r>
+            <a:r>
+              <a:rPr lang="en-US" dirty="0">
+                <a:latin typeface="Arial" panose="020B0604020202020204" pitchFamily="34" charset="0"/>
+                <a:cs typeface="Arial" panose="020B0604020202020204" pitchFamily="34" charset="0"/>
+              </a:rPr>
+              <a:t>!question</a:t>
+            </a:r>
+            <a:endParaRPr lang="ru-RU" dirty="0">
+              <a:latin typeface="Arial" panose="020B0604020202020204" pitchFamily="34" charset="0"/>
+              <a:cs typeface="Arial" panose="020B0604020202020204" pitchFamily="34" charset="0"/>
+            </a:endParaRPr>
+          </a:p>
+        </p:txBody>
+      </p:sp>
+      <p:sp>
+        <p:nvSpPr>
+          <p:cNvPr id="6" name="Текст 5">
+            <a:extLst>
+              <a:ext uri="{FF2B5EF4-FFF2-40B4-BE49-F238E27FC236}">
+                <a16:creationId xmlns:a16="http://schemas.microsoft.com/office/drawing/2014/main" id="{3BB27021-37D8-402F-A35E-77D473E43620}"/>
+              </a:ext>
+            </a:extLst>
+          </p:cNvPr>
+          <p:cNvSpPr>
+            <a:spLocks noGrp="1"/>
+          </p:cNvSpPr>
+          <p:nvPr>
+            <p:ph type="body" idx="1"/>
+          </p:nvPr>
+        </p:nvSpPr>
+        <p:spPr/>
+        <p:txBody>
+          <a:bodyPr/>
+          <a:lstStyle/>
+          <a:p>
+            <a:r>
+              <a:rPr lang="en-US" dirty="0"/>
+              <a:t>        </a:t>
+            </a:r>
+            <a:r>
+              <a:rPr lang="ru-RU" dirty="0"/>
+              <a:t>Канал </a:t>
+            </a:r>
+            <a:r>
+              <a:rPr lang="en-US" dirty="0"/>
+              <a:t>commands</a:t>
+            </a:r>
+            <a:endParaRPr lang="ru-RU" dirty="0"/>
           </a:p>
         </p:txBody>
       </p:sp>
       <p:pic>
         <p:nvPicPr>
-          <p:cNvPr id="13" name="Объект 12">
+          <p:cNvPr id="24" name="Объект 23">
             <a:extLst>
               <a:ext uri="{FF2B5EF4-FFF2-40B4-BE49-F238E27FC236}">
-                <a16:creationId xmlns:a16="http://schemas.microsoft.com/office/drawing/2014/main" id="{B429BBA8-9FAE-4570-8F80-7543B4F716B4}"/>
+                <a16:creationId xmlns:a16="http://schemas.microsoft.com/office/drawing/2014/main" id="{3599E4F0-7999-4437-BA68-92BA4DEFFFD9}"/>
               </a:ext>
             </a:extLst>
           </p:cNvPr>
@@ -4292,7 +4476,7 @@
             <a:picLocks noGrp="1" noChangeAspect="1"/>
           </p:cNvPicPr>
           <p:nvPr>
-            <p:ph idx="1"/>
+            <p:ph sz="half" idx="2"/>
           </p:nvPr>
         </p:nvPicPr>
         <p:blipFill>
@@ -4309,15 +4493,82 @@
         </p:blipFill>
         <p:spPr>
           <a:xfrm>
-            <a:off x="5009988" y="3376515"/>
-            <a:ext cx="2324424" cy="1400370"/>
+            <a:off x="2071160" y="4128625"/>
+            <a:ext cx="3391373" cy="724001"/>
+          </a:xfrm>
+        </p:spPr>
+      </p:pic>
+      <p:sp>
+        <p:nvSpPr>
+          <p:cNvPr id="9" name="Текст 8">
+            <a:extLst>
+              <a:ext uri="{FF2B5EF4-FFF2-40B4-BE49-F238E27FC236}">
+                <a16:creationId xmlns:a16="http://schemas.microsoft.com/office/drawing/2014/main" id="{16E4231A-EE21-4AC9-B629-7226EC207B18}"/>
+              </a:ext>
+            </a:extLst>
+          </p:cNvPr>
+          <p:cNvSpPr>
+            <a:spLocks noGrp="1"/>
+          </p:cNvSpPr>
+          <p:nvPr>
+            <p:ph type="body" sz="quarter" idx="3"/>
+          </p:nvPr>
+        </p:nvSpPr>
+        <p:spPr/>
+        <p:txBody>
+          <a:bodyPr/>
+          <a:lstStyle/>
+          <a:p>
+            <a:r>
+              <a:rPr lang="en-US" dirty="0"/>
+              <a:t>     </a:t>
+            </a:r>
+            <a:r>
+              <a:rPr lang="ru-RU" dirty="0"/>
+              <a:t>Основной канал</a:t>
+            </a:r>
+          </a:p>
+        </p:txBody>
+      </p:sp>
+      <p:pic>
+        <p:nvPicPr>
+          <p:cNvPr id="26" name="Объект 25">
+            <a:extLst>
+              <a:ext uri="{FF2B5EF4-FFF2-40B4-BE49-F238E27FC236}">
+                <a16:creationId xmlns:a16="http://schemas.microsoft.com/office/drawing/2014/main" id="{88A7A502-DA8F-4356-967B-CB679799FFB4}"/>
+              </a:ext>
+            </a:extLst>
+          </p:cNvPr>
+          <p:cNvPicPr>
+            <a:picLocks noGrp="1" noChangeAspect="1"/>
+          </p:cNvPicPr>
+          <p:nvPr>
+            <p:ph sz="quarter" idx="4"/>
+          </p:nvPr>
+        </p:nvPicPr>
+        <p:blipFill>
+          <a:blip r:embed="rId3">
+            <a:extLst>
+              <a:ext uri="{28A0092B-C50C-407E-A947-70E740481C1C}">
+                <a14:useLocalDpi xmlns:a14="http://schemas.microsoft.com/office/drawing/2010/main" val="0"/>
+              </a:ext>
+            </a:extLst>
+          </a:blip>
+          <a:stretch>
+            <a:fillRect/>
+          </a:stretch>
+        </p:blipFill>
+        <p:spPr>
+          <a:xfrm>
+            <a:off x="6894254" y="4295734"/>
+            <a:ext cx="3705742" cy="581106"/>
           </a:xfrm>
         </p:spPr>
       </p:pic>
     </p:spTree>
     <p:extLst>
       <p:ext uri="{BB962C8B-B14F-4D97-AF65-F5344CB8AC3E}">
-        <p14:creationId xmlns:p14="http://schemas.microsoft.com/office/powerpoint/2010/main" val="2351234934"/>
+        <p14:creationId xmlns:p14="http://schemas.microsoft.com/office/powerpoint/2010/main" val="3816286809"/>
       </p:ext>
     </p:extLst>
   </p:cSld>
@@ -4349,7 +4600,7 @@
           <p:cNvPr id="2" name="Заголовок 1">
             <a:extLst>
               <a:ext uri="{FF2B5EF4-FFF2-40B4-BE49-F238E27FC236}">
-                <a16:creationId xmlns:a16="http://schemas.microsoft.com/office/drawing/2014/main" id="{3F9C71DD-895C-4815-89B5-224CC86E1D94}"/>
+                <a16:creationId xmlns:a16="http://schemas.microsoft.com/office/drawing/2014/main" id="{6E175EED-A635-4E65-BE91-7FAFCF442182}"/>
               </a:ext>
             </a:extLst>
           </p:cNvPr>
@@ -4365,10 +4616,7 @@
           <a:bodyPr/>
           <a:lstStyle/>
           <a:p>
-            <a:r>
-              <a:rPr lang="ru-RU" dirty="0"/>
-              <a:t>		 </a:t>
-            </a:r>
+            <a:pPr algn="ctr"/>
             <a:r>
               <a:rPr lang="ru-RU" dirty="0">
                 <a:latin typeface="Arial" panose="020B0604020202020204" pitchFamily="34" charset="0"/>
@@ -4381,7 +4629,7 @@
                 <a:latin typeface="Arial" panose="020B0604020202020204" pitchFamily="34" charset="0"/>
                 <a:cs typeface="Arial" panose="020B0604020202020204" pitchFamily="34" charset="0"/>
               </a:rPr>
-              <a:t>!question</a:t>
+              <a:t>!list</a:t>
             </a:r>
             <a:endParaRPr lang="ru-RU" dirty="0">
               <a:latin typeface="Arial" panose="020B0604020202020204" pitchFamily="34" charset="0"/>
@@ -4390,49 +4638,12 @@
           </a:p>
         </p:txBody>
       </p:sp>
-      <p:sp>
-        <p:nvSpPr>
-          <p:cNvPr id="6" name="Текст 5">
+      <p:pic>
+        <p:nvPicPr>
+          <p:cNvPr id="6" name="Объект 5">
             <a:extLst>
               <a:ext uri="{FF2B5EF4-FFF2-40B4-BE49-F238E27FC236}">
-                <a16:creationId xmlns:a16="http://schemas.microsoft.com/office/drawing/2014/main" id="{3BB27021-37D8-402F-A35E-77D473E43620}"/>
-              </a:ext>
-            </a:extLst>
-          </p:cNvPr>
-          <p:cNvSpPr>
-            <a:spLocks noGrp="1"/>
-          </p:cNvSpPr>
-          <p:nvPr>
-            <p:ph type="body" idx="1"/>
-          </p:nvPr>
-        </p:nvSpPr>
-        <p:spPr/>
-        <p:txBody>
-          <a:bodyPr/>
-          <a:lstStyle/>
-          <a:p>
-            <a:r>
-              <a:rPr lang="en-US" dirty="0"/>
-              <a:t>        </a:t>
-            </a:r>
-            <a:r>
-              <a:rPr lang="ru-RU" dirty="0"/>
-              <a:t>Канал </a:t>
-            </a:r>
-            <a:r>
-              <a:rPr lang="en-US" dirty="0"/>
-              <a:t>commands</a:t>
-            </a:r>
-            <a:endParaRPr lang="ru-RU" dirty="0"/>
-          </a:p>
-        </p:txBody>
-      </p:sp>
-      <p:pic>
-        <p:nvPicPr>
-          <p:cNvPr id="24" name="Объект 23">
-            <a:extLst>
-              <a:ext uri="{FF2B5EF4-FFF2-40B4-BE49-F238E27FC236}">
-                <a16:creationId xmlns:a16="http://schemas.microsoft.com/office/drawing/2014/main" id="{3599E4F0-7999-4437-BA68-92BA4DEFFFD9}"/>
+                <a16:creationId xmlns:a16="http://schemas.microsoft.com/office/drawing/2014/main" id="{D15EDE74-5D8C-426F-828A-1D63F0792E08}"/>
               </a:ext>
             </a:extLst>
           </p:cNvPr>
@@ -4440,7 +4651,7 @@
             <a:picLocks noGrp="1" noChangeAspect="1"/>
           </p:cNvPicPr>
           <p:nvPr>
-            <p:ph sz="half" idx="2"/>
+            <p:ph idx="1"/>
           </p:nvPr>
         </p:nvPicPr>
         <p:blipFill>
@@ -4457,60 +4668,124 @@
         </p:blipFill>
         <p:spPr>
           <a:xfrm>
-            <a:off x="2071160" y="4128625"/>
-            <a:ext cx="3391373" cy="724001"/>
+            <a:off x="4171671" y="2402667"/>
+            <a:ext cx="4001058" cy="419158"/>
           </a:xfrm>
         </p:spPr>
       </p:pic>
       <p:sp>
         <p:nvSpPr>
-          <p:cNvPr id="9" name="Текст 8">
+          <p:cNvPr id="7" name="TextBox 6">
             <a:extLst>
               <a:ext uri="{FF2B5EF4-FFF2-40B4-BE49-F238E27FC236}">
-                <a16:creationId xmlns:a16="http://schemas.microsoft.com/office/drawing/2014/main" id="{16E4231A-EE21-4AC9-B629-7226EC207B18}"/>
+                <a16:creationId xmlns:a16="http://schemas.microsoft.com/office/drawing/2014/main" id="{5C406DCF-AD29-4AF2-A5B7-249D9B5F068A}"/>
               </a:ext>
             </a:extLst>
           </p:cNvPr>
-          <p:cNvSpPr>
-            <a:spLocks noGrp="1"/>
-          </p:cNvSpPr>
-          <p:nvPr>
-            <p:ph type="body" sz="quarter" idx="3"/>
-          </p:nvPr>
-        </p:nvSpPr>
-        <p:spPr/>
-        <p:txBody>
-          <a:bodyPr/>
+          <p:cNvSpPr txBox="1"/>
+          <p:nvPr/>
+        </p:nvSpPr>
+        <p:spPr>
+          <a:xfrm>
+            <a:off x="5365685" y="2473746"/>
+            <a:ext cx="3260049" cy="276999"/>
+          </a:xfrm>
+          <a:prstGeom prst="rect">
+            <a:avLst/>
+          </a:prstGeom>
+          <a:noFill/>
+        </p:spPr>
+        <p:txBody>
+          <a:bodyPr wrap="square" rtlCol="0">
+            <a:spAutoFit/>
+          </a:bodyPr>
           <a:lstStyle/>
           <a:p>
             <a:r>
-              <a:rPr lang="en-US" dirty="0"/>
-              <a:t>     </a:t>
-            </a:r>
-            <a:r>
-              <a:rPr lang="ru-RU" dirty="0"/>
-              <a:t>Основной канал</a:t>
-            </a:r>
+              <a:rPr lang="ru-RU" sz="1200" dirty="0">
+                <a:latin typeface="Arial" panose="020B0604020202020204" pitchFamily="34" charset="0"/>
+                <a:cs typeface="Arial" panose="020B0604020202020204" pitchFamily="34" charset="0"/>
+              </a:rPr>
+              <a:t>Вместо </a:t>
+            </a:r>
+            <a:r>
+              <a:rPr lang="en-US" sz="1200" dirty="0">
+                <a:latin typeface="Arial" panose="020B0604020202020204" pitchFamily="34" charset="0"/>
+                <a:cs typeface="Arial" panose="020B0604020202020204" pitchFamily="34" charset="0"/>
+              </a:rPr>
+              <a:t>x </a:t>
+            </a:r>
+            <a:r>
+              <a:rPr lang="ru-RU" sz="1200" dirty="0">
+                <a:latin typeface="Arial" panose="020B0604020202020204" pitchFamily="34" charset="0"/>
+                <a:cs typeface="Arial" panose="020B0604020202020204" pitchFamily="34" charset="0"/>
+              </a:rPr>
+              <a:t>пишется курс</a:t>
+            </a:r>
+          </a:p>
+        </p:txBody>
+      </p:sp>
+      <p:sp>
+        <p:nvSpPr>
+          <p:cNvPr id="3" name="Стрелка: вниз 2">
+            <a:extLst>
+              <a:ext uri="{FF2B5EF4-FFF2-40B4-BE49-F238E27FC236}">
+                <a16:creationId xmlns:a16="http://schemas.microsoft.com/office/drawing/2014/main" id="{DE0EF0A9-6EE2-4BAE-B91D-E7D21A6D228E}"/>
+              </a:ext>
+            </a:extLst>
+          </p:cNvPr>
+          <p:cNvSpPr/>
+          <p:nvPr/>
+        </p:nvSpPr>
+        <p:spPr>
+          <a:xfrm>
+            <a:off x="5810774" y="2904916"/>
+            <a:ext cx="570451" cy="780176"/>
+          </a:xfrm>
+          <a:prstGeom prst="downArrow">
+            <a:avLst/>
+          </a:prstGeom>
+        </p:spPr>
+        <p:style>
+          <a:lnRef idx="2">
+            <a:schemeClr val="accent1">
+              <a:shade val="50000"/>
+            </a:schemeClr>
+          </a:lnRef>
+          <a:fillRef idx="1">
+            <a:schemeClr val="accent1"/>
+          </a:fillRef>
+          <a:effectRef idx="0">
+            <a:schemeClr val="accent1"/>
+          </a:effectRef>
+          <a:fontRef idx="minor">
+            <a:schemeClr val="lt1"/>
+          </a:fontRef>
+        </p:style>
+        <p:txBody>
+          <a:bodyPr rtlCol="0" anchor="ctr"/>
+          <a:lstStyle/>
+          <a:p>
+            <a:pPr algn="ctr"/>
+            <a:endParaRPr lang="ru-RU"/>
           </a:p>
         </p:txBody>
       </p:sp>
       <p:pic>
         <p:nvPicPr>
-          <p:cNvPr id="26" name="Объект 25">
+          <p:cNvPr id="5" name="Рисунок 4">
             <a:extLst>
               <a:ext uri="{FF2B5EF4-FFF2-40B4-BE49-F238E27FC236}">
-                <a16:creationId xmlns:a16="http://schemas.microsoft.com/office/drawing/2014/main" id="{88A7A502-DA8F-4356-967B-CB679799FFB4}"/>
+                <a16:creationId xmlns:a16="http://schemas.microsoft.com/office/drawing/2014/main" id="{1C0F75FA-C04A-416D-89C3-B66204FCC6FD}"/>
               </a:ext>
             </a:extLst>
           </p:cNvPr>
           <p:cNvPicPr>
-            <a:picLocks noGrp="1" noChangeAspect="1"/>
+            <a:picLocks noChangeAspect="1"/>
           </p:cNvPicPr>
-          <p:nvPr>
-            <p:ph sz="quarter" idx="4"/>
-          </p:nvPr>
+          <p:nvPr/>
         </p:nvPicPr>
-        <p:blipFill>
+        <p:blipFill rotWithShape="1">
           <a:blip r:embed="rId3">
             <a:extLst>
               <a:ext uri="{28A0092B-C50C-407E-A947-70E740481C1C}">
@@ -4518,21 +4793,147 @@
               </a:ext>
             </a:extLst>
           </a:blip>
-          <a:stretch>
-            <a:fillRect/>
-          </a:stretch>
+          <a:srcRect l="3596"/>
+          <a:stretch/>
         </p:blipFill>
         <p:spPr>
           <a:xfrm>
-            <a:off x="6894254" y="4295734"/>
-            <a:ext cx="3705742" cy="581106"/>
-          </a:xfrm>
+            <a:off x="4756558" y="4202993"/>
+            <a:ext cx="2782680" cy="314369"/>
+          </a:xfrm>
+          <a:prstGeom prst="rect">
+            <a:avLst/>
+          </a:prstGeom>
         </p:spPr>
       </p:pic>
+      <p:sp>
+        <p:nvSpPr>
+          <p:cNvPr id="20" name="TextBox 19">
+            <a:extLst>
+              <a:ext uri="{FF2B5EF4-FFF2-40B4-BE49-F238E27FC236}">
+                <a16:creationId xmlns:a16="http://schemas.microsoft.com/office/drawing/2014/main" id="{CF893942-FF0C-4264-9574-C1353E2B122F}"/>
+              </a:ext>
+            </a:extLst>
+          </p:cNvPr>
+          <p:cNvSpPr txBox="1"/>
+          <p:nvPr/>
+        </p:nvSpPr>
+        <p:spPr>
+          <a:xfrm>
+            <a:off x="5141218" y="3768183"/>
+            <a:ext cx="2323751" cy="369332"/>
+          </a:xfrm>
+          <a:prstGeom prst="rect">
+            <a:avLst/>
+          </a:prstGeom>
+          <a:noFill/>
+        </p:spPr>
+        <p:txBody>
+          <a:bodyPr wrap="square" rtlCol="0">
+            <a:spAutoFit/>
+          </a:bodyPr>
+          <a:lstStyle/>
+          <a:p>
+            <a:r>
+              <a:rPr lang="ru-RU" dirty="0"/>
+              <a:t>Сообщение бота</a:t>
+            </a:r>
+          </a:p>
+        </p:txBody>
+      </p:sp>
+      <p:sp>
+        <p:nvSpPr>
+          <p:cNvPr id="21" name="Стрелка: вниз 20">
+            <a:extLst>
+              <a:ext uri="{FF2B5EF4-FFF2-40B4-BE49-F238E27FC236}">
+                <a16:creationId xmlns:a16="http://schemas.microsoft.com/office/drawing/2014/main" id="{2FE67587-CDA7-4DD2-9B8E-141D6121F4D1}"/>
+              </a:ext>
+            </a:extLst>
+          </p:cNvPr>
+          <p:cNvSpPr/>
+          <p:nvPr/>
+        </p:nvSpPr>
+        <p:spPr>
+          <a:xfrm>
+            <a:off x="5810774" y="4562593"/>
+            <a:ext cx="648749" cy="655032"/>
+          </a:xfrm>
+          <a:prstGeom prst="downArrow">
+            <a:avLst/>
+          </a:prstGeom>
+        </p:spPr>
+        <p:style>
+          <a:lnRef idx="2">
+            <a:schemeClr val="accent1">
+              <a:shade val="50000"/>
+            </a:schemeClr>
+          </a:lnRef>
+          <a:fillRef idx="1">
+            <a:schemeClr val="accent1"/>
+          </a:fillRef>
+          <a:effectRef idx="0">
+            <a:schemeClr val="accent1"/>
+          </a:effectRef>
+          <a:fontRef idx="minor">
+            <a:schemeClr val="lt1"/>
+          </a:fontRef>
+        </p:style>
+        <p:txBody>
+          <a:bodyPr rtlCol="0" anchor="ctr"/>
+          <a:lstStyle/>
+          <a:p>
+            <a:pPr algn="ctr"/>
+            <a:endParaRPr lang="ru-RU"/>
+          </a:p>
+        </p:txBody>
+      </p:sp>
+      <p:sp>
+        <p:nvSpPr>
+          <p:cNvPr id="22" name="TextBox 21">
+            <a:extLst>
+              <a:ext uri="{FF2B5EF4-FFF2-40B4-BE49-F238E27FC236}">
+                <a16:creationId xmlns:a16="http://schemas.microsoft.com/office/drawing/2014/main" id="{40660077-9B9E-40D3-ADE8-7EBBC91ED2B3}"/>
+              </a:ext>
+            </a:extLst>
+          </p:cNvPr>
+          <p:cNvSpPr txBox="1"/>
+          <p:nvPr/>
+        </p:nvSpPr>
+        <p:spPr>
+          <a:xfrm>
+            <a:off x="4379053" y="5518683"/>
+            <a:ext cx="4471332" cy="369332"/>
+          </a:xfrm>
+          <a:prstGeom prst="rect">
+            <a:avLst/>
+          </a:prstGeom>
+          <a:noFill/>
+        </p:spPr>
+        <p:txBody>
+          <a:bodyPr wrap="square" rtlCol="0">
+            <a:spAutoFit/>
+          </a:bodyPr>
+          <a:lstStyle/>
+          <a:p>
+            <a:r>
+              <a:rPr lang="ru-RU" dirty="0">
+                <a:latin typeface="Arial" panose="020B0604020202020204" pitchFamily="34" charset="0"/>
+                <a:cs typeface="Arial" panose="020B0604020202020204" pitchFamily="34" charset="0"/>
+              </a:rPr>
+              <a:t>Вебсайт с темами каждого урока</a:t>
+            </a:r>
+            <a:r>
+              <a:rPr lang="en-US" dirty="0"/>
+              <a:t>.</a:t>
+            </a:r>
+            <a:endParaRPr lang="ru-RU" dirty="0"/>
+          </a:p>
+        </p:txBody>
+      </p:sp>
     </p:spTree>
     <p:extLst>
       <p:ext uri="{BB962C8B-B14F-4D97-AF65-F5344CB8AC3E}">
-        <p14:creationId xmlns:p14="http://schemas.microsoft.com/office/powerpoint/2010/main" val="3816286809"/>
+        <p14:creationId xmlns:p14="http://schemas.microsoft.com/office/powerpoint/2010/main" val="191496294"/>
       </p:ext>
     </p:extLst>
   </p:cSld>
@@ -4564,7 +4965,7 @@
           <p:cNvPr id="2" name="Заголовок 1">
             <a:extLst>
               <a:ext uri="{FF2B5EF4-FFF2-40B4-BE49-F238E27FC236}">
-                <a16:creationId xmlns:a16="http://schemas.microsoft.com/office/drawing/2014/main" id="{6E175EED-A635-4E65-BE91-7FAFCF442182}"/>
+                <a16:creationId xmlns:a16="http://schemas.microsoft.com/office/drawing/2014/main" id="{5725D22E-EBF3-4C33-B2EF-249CB04E4A67}"/>
               </a:ext>
             </a:extLst>
           </p:cNvPr>
@@ -4580,34 +4981,28 @@
           <a:bodyPr/>
           <a:lstStyle/>
           <a:p>
-            <a:pPr algn="ctr"/>
-            <a:r>
-              <a:rPr lang="ru-RU" dirty="0">
-                <a:latin typeface="Arial" panose="020B0604020202020204" pitchFamily="34" charset="0"/>
-                <a:cs typeface="Arial" panose="020B0604020202020204" pitchFamily="34" charset="0"/>
-              </a:rPr>
-              <a:t>Функция </a:t>
-            </a:r>
-            <a:r>
-              <a:rPr lang="en-US" dirty="0">
-                <a:latin typeface="Arial" panose="020B0604020202020204" pitchFamily="34" charset="0"/>
-                <a:cs typeface="Arial" panose="020B0604020202020204" pitchFamily="34" charset="0"/>
-              </a:rPr>
-              <a:t>!list</a:t>
-            </a:r>
-            <a:endParaRPr lang="ru-RU" dirty="0">
-              <a:latin typeface="Arial" panose="020B0604020202020204" pitchFamily="34" charset="0"/>
-              <a:cs typeface="Arial" panose="020B0604020202020204" pitchFamily="34" charset="0"/>
-            </a:endParaRPr>
+            <a:r>
+              <a:rPr lang="ru-RU" dirty="0"/>
+              <a:t>			Функция </a:t>
+            </a:r>
+            <a:r>
+              <a:rPr lang="en-US" dirty="0"/>
+              <a:t>!</a:t>
+            </a:r>
+            <a:r>
+              <a:rPr lang="en-US" dirty="0" err="1"/>
+              <a:t>get_url</a:t>
+            </a:r>
+            <a:endParaRPr lang="ru-RU" dirty="0"/>
           </a:p>
         </p:txBody>
       </p:sp>
       <p:pic>
         <p:nvPicPr>
-          <p:cNvPr id="16" name="Объект 15">
+          <p:cNvPr id="7" name="Объект 6">
             <a:extLst>
               <a:ext uri="{FF2B5EF4-FFF2-40B4-BE49-F238E27FC236}">
-                <a16:creationId xmlns:a16="http://schemas.microsoft.com/office/drawing/2014/main" id="{1DE7E6FB-A994-417A-84C1-3A659AB1A28A}"/>
+                <a16:creationId xmlns:a16="http://schemas.microsoft.com/office/drawing/2014/main" id="{E11EA33E-5457-4AF1-BAC8-C08FDC5F2E5C}"/>
               </a:ext>
             </a:extLst>
           </p:cNvPr>
@@ -4615,10 +5010,10 @@
             <a:picLocks noGrp="1" noChangeAspect="1"/>
           </p:cNvPicPr>
           <p:nvPr>
-            <p:ph idx="1"/>
+            <p:ph sz="half" idx="1"/>
           </p:nvPr>
         </p:nvPicPr>
-        <p:blipFill rotWithShape="1">
+        <p:blipFill>
           <a:blip r:embed="rId2">
             <a:extLst>
               <a:ext uri="{28A0092B-C50C-407E-A947-70E740481C1C}">
@@ -4626,20 +5021,217 @@
               </a:ext>
             </a:extLst>
           </a:blip>
-          <a:srcRect l="3386"/>
-          <a:stretch/>
+          <a:stretch>
+            <a:fillRect/>
+          </a:stretch>
         </p:blipFill>
         <p:spPr>
           <a:xfrm>
-            <a:off x="4822256" y="3481304"/>
-            <a:ext cx="2797945" cy="1190791"/>
+            <a:off x="3426903" y="2267188"/>
+            <a:ext cx="4448175" cy="398085"/>
           </a:xfrm>
         </p:spPr>
       </p:pic>
+      <p:pic>
+        <p:nvPicPr>
+          <p:cNvPr id="10" name="Объект 9">
+            <a:extLst>
+              <a:ext uri="{FF2B5EF4-FFF2-40B4-BE49-F238E27FC236}">
+                <a16:creationId xmlns:a16="http://schemas.microsoft.com/office/drawing/2014/main" id="{1D56E8ED-1E9B-44EC-BF46-8BF2AA6CB211}"/>
+              </a:ext>
+            </a:extLst>
+          </p:cNvPr>
+          <p:cNvPicPr>
+            <a:picLocks noGrp="1" noChangeAspect="1"/>
+          </p:cNvPicPr>
+          <p:nvPr>
+            <p:ph sz="half" idx="2"/>
+          </p:nvPr>
+        </p:nvPicPr>
+        <p:blipFill>
+          <a:blip r:embed="rId3">
+            <a:extLst>
+              <a:ext uri="{28A0092B-C50C-407E-A947-70E740481C1C}">
+                <a14:useLocalDpi xmlns:a14="http://schemas.microsoft.com/office/drawing/2010/main" val="0"/>
+              </a:ext>
+            </a:extLst>
+          </a:blip>
+          <a:stretch>
+            <a:fillRect/>
+          </a:stretch>
+        </p:blipFill>
+        <p:spPr>
+          <a:xfrm>
+            <a:off x="3436690" y="4283139"/>
+            <a:ext cx="5318620" cy="261610"/>
+          </a:xfrm>
+        </p:spPr>
+      </p:pic>
+      <p:sp>
+        <p:nvSpPr>
+          <p:cNvPr id="8" name="TextBox 7">
+            <a:extLst>
+              <a:ext uri="{FF2B5EF4-FFF2-40B4-BE49-F238E27FC236}">
+                <a16:creationId xmlns:a16="http://schemas.microsoft.com/office/drawing/2014/main" id="{6D96EB13-7DF8-47E6-BEAC-41BD8E786137}"/>
+              </a:ext>
+            </a:extLst>
+          </p:cNvPr>
+          <p:cNvSpPr txBox="1"/>
+          <p:nvPr/>
+        </p:nvSpPr>
+        <p:spPr>
+          <a:xfrm>
+            <a:off x="4278386" y="2335425"/>
+            <a:ext cx="3596692" cy="261610"/>
+          </a:xfrm>
+          <a:prstGeom prst="rect">
+            <a:avLst/>
+          </a:prstGeom>
+          <a:noFill/>
+        </p:spPr>
+        <p:txBody>
+          <a:bodyPr wrap="square" rtlCol="0">
+            <a:spAutoFit/>
+          </a:bodyPr>
+          <a:lstStyle/>
+          <a:p>
+            <a:r>
+              <a:rPr lang="ru-RU" sz="1100" dirty="0">
+                <a:latin typeface="Arial" panose="020B0604020202020204" pitchFamily="34" charset="0"/>
+                <a:cs typeface="Arial" panose="020B0604020202020204" pitchFamily="34" charset="0"/>
+              </a:rPr>
+              <a:t>Вместо </a:t>
+            </a:r>
+            <a:r>
+              <a:rPr lang="en-US" sz="1100" dirty="0">
+                <a:latin typeface="Arial" panose="020B0604020202020204" pitchFamily="34" charset="0"/>
+                <a:cs typeface="Arial" panose="020B0604020202020204" pitchFamily="34" charset="0"/>
+              </a:rPr>
+              <a:t>x </a:t>
+            </a:r>
+            <a:r>
+              <a:rPr lang="ru-RU" sz="1100" dirty="0">
+                <a:latin typeface="Arial" panose="020B0604020202020204" pitchFamily="34" charset="0"/>
+                <a:cs typeface="Arial" panose="020B0604020202020204" pitchFamily="34" charset="0"/>
+              </a:rPr>
+              <a:t>пишется курс</a:t>
+            </a:r>
+            <a:r>
+              <a:rPr lang="en-US" sz="1100" dirty="0">
+                <a:latin typeface="Arial" panose="020B0604020202020204" pitchFamily="34" charset="0"/>
+                <a:cs typeface="Arial" panose="020B0604020202020204" pitchFamily="34" charset="0"/>
+              </a:rPr>
+              <a:t>, </a:t>
+            </a:r>
+            <a:r>
+              <a:rPr lang="ru-RU" sz="1100" dirty="0">
+                <a:latin typeface="Arial" panose="020B0604020202020204" pitchFamily="34" charset="0"/>
+                <a:cs typeface="Arial" panose="020B0604020202020204" pitchFamily="34" charset="0"/>
+              </a:rPr>
+              <a:t>а вместо </a:t>
+            </a:r>
+            <a:r>
+              <a:rPr lang="en-US" sz="1100" dirty="0">
+                <a:latin typeface="Arial" panose="020B0604020202020204" pitchFamily="34" charset="0"/>
+                <a:cs typeface="Arial" panose="020B0604020202020204" pitchFamily="34" charset="0"/>
+              </a:rPr>
+              <a:t>y id </a:t>
+            </a:r>
+            <a:r>
+              <a:rPr lang="ru-RU" sz="1100" dirty="0">
+                <a:latin typeface="Arial" panose="020B0604020202020204" pitchFamily="34" charset="0"/>
+                <a:cs typeface="Arial" panose="020B0604020202020204" pitchFamily="34" charset="0"/>
+              </a:rPr>
+              <a:t>урока</a:t>
+            </a:r>
+          </a:p>
+        </p:txBody>
+      </p:sp>
+      <p:sp>
+        <p:nvSpPr>
+          <p:cNvPr id="3" name="TextBox 2">
+            <a:extLst>
+              <a:ext uri="{FF2B5EF4-FFF2-40B4-BE49-F238E27FC236}">
+                <a16:creationId xmlns:a16="http://schemas.microsoft.com/office/drawing/2014/main" id="{13B255D2-0B17-41DF-A7AD-A1511A723C95}"/>
+              </a:ext>
+            </a:extLst>
+          </p:cNvPr>
+          <p:cNvSpPr txBox="1"/>
+          <p:nvPr/>
+        </p:nvSpPr>
+        <p:spPr>
+          <a:xfrm>
+            <a:off x="4278386" y="3255421"/>
+            <a:ext cx="3263317" cy="369332"/>
+          </a:xfrm>
+          <a:prstGeom prst="rect">
+            <a:avLst/>
+          </a:prstGeom>
+          <a:noFill/>
+        </p:spPr>
+        <p:txBody>
+          <a:bodyPr wrap="square" rtlCol="0">
+            <a:spAutoFit/>
+          </a:bodyPr>
+          <a:lstStyle/>
+          <a:p>
+            <a:r>
+              <a:rPr lang="ru-RU" dirty="0"/>
+              <a:t>		    Пример</a:t>
+            </a:r>
+          </a:p>
+        </p:txBody>
+      </p:sp>
+      <p:sp>
+        <p:nvSpPr>
+          <p:cNvPr id="4" name="Стрелка: вправо 3">
+            <a:extLst>
+              <a:ext uri="{FF2B5EF4-FFF2-40B4-BE49-F238E27FC236}">
+                <a16:creationId xmlns:a16="http://schemas.microsoft.com/office/drawing/2014/main" id="{9400487D-E5BA-4960-A43B-74DF8C5C9B33}"/>
+              </a:ext>
+            </a:extLst>
+          </p:cNvPr>
+          <p:cNvSpPr/>
+          <p:nvPr/>
+        </p:nvSpPr>
+        <p:spPr>
+          <a:xfrm rot="5400000">
+            <a:off x="5725376" y="3660900"/>
+            <a:ext cx="369333" cy="626665"/>
+          </a:xfrm>
+          <a:prstGeom prst="rightArrow">
+            <a:avLst/>
+          </a:prstGeom>
+        </p:spPr>
+        <p:style>
+          <a:lnRef idx="2">
+            <a:schemeClr val="accent1">
+              <a:shade val="50000"/>
+            </a:schemeClr>
+          </a:lnRef>
+          <a:fillRef idx="1">
+            <a:schemeClr val="accent1"/>
+          </a:fillRef>
+          <a:effectRef idx="0">
+            <a:schemeClr val="accent1"/>
+          </a:effectRef>
+          <a:fontRef idx="minor">
+            <a:schemeClr val="lt1"/>
+          </a:fontRef>
+        </p:style>
+        <p:txBody>
+          <a:bodyPr rtlCol="0" anchor="ctr"/>
+          <a:lstStyle/>
+          <a:p>
+            <a:pPr algn="ctr"/>
+            <a:endParaRPr lang="ru-RU"/>
+          </a:p>
+        </p:txBody>
+      </p:sp>
     </p:spTree>
     <p:extLst>
       <p:ext uri="{BB962C8B-B14F-4D97-AF65-F5344CB8AC3E}">
-        <p14:creationId xmlns:p14="http://schemas.microsoft.com/office/powerpoint/2010/main" val="191496294"/>
+        <p14:creationId xmlns:p14="http://schemas.microsoft.com/office/powerpoint/2010/main" val="2355013418"/>
       </p:ext>
     </p:extLst>
   </p:cSld>
@@ -4671,7 +5263,7 @@
           <p:cNvPr id="2" name="Заголовок 1">
             <a:extLst>
               <a:ext uri="{FF2B5EF4-FFF2-40B4-BE49-F238E27FC236}">
-                <a16:creationId xmlns:a16="http://schemas.microsoft.com/office/drawing/2014/main" id="{046894C4-7A22-4157-8896-98FBDD8ACD36}"/>
+                <a16:creationId xmlns:a16="http://schemas.microsoft.com/office/drawing/2014/main" id="{8574CBCB-731F-4443-B6E0-2F1879F25915}"/>
               </a:ext>
             </a:extLst>
           </p:cNvPr>
@@ -4687,13 +5279,19 @@
           <a:bodyPr/>
           <a:lstStyle/>
           <a:p>
-            <a:pPr algn="ctr"/>
+            <a:r>
+              <a:rPr lang="en-US" dirty="0">
+                <a:latin typeface="Arial" panose="020B0604020202020204" pitchFamily="34" charset="0"/>
+                <a:cs typeface="Arial" panose="020B0604020202020204" pitchFamily="34" charset="0"/>
+              </a:rPr>
+              <a:t>							</a:t>
+            </a:r>
             <a:r>
               <a:rPr lang="ru-RU" dirty="0">
                 <a:latin typeface="Arial" panose="020B0604020202020204" pitchFamily="34" charset="0"/>
                 <a:cs typeface="Arial" panose="020B0604020202020204" pitchFamily="34" charset="0"/>
               </a:rPr>
-              <a:t>Функция </a:t>
+              <a:t>	  			          Функция </a:t>
             </a:r>
             <a:r>
               <a:rPr lang="en-US" dirty="0">
@@ -4707,7 +5305,7 @@
                 <a:latin typeface="Arial" panose="020B0604020202020204" pitchFamily="34" charset="0"/>
                 <a:cs typeface="Arial" panose="020B0604020202020204" pitchFamily="34" charset="0"/>
               </a:rPr>
-              <a:t>get_url</a:t>
+              <a:t>update_time</a:t>
             </a:r>
             <a:endParaRPr lang="ru-RU" dirty="0">
               <a:latin typeface="Arial" panose="020B0604020202020204" pitchFamily="34" charset="0"/>
@@ -4718,10 +5316,10 @@
       </p:sp>
       <p:pic>
         <p:nvPicPr>
-          <p:cNvPr id="9" name="Объект 8">
+          <p:cNvPr id="8" name="Объект 7">
             <a:extLst>
               <a:ext uri="{FF2B5EF4-FFF2-40B4-BE49-F238E27FC236}">
-                <a16:creationId xmlns:a16="http://schemas.microsoft.com/office/drawing/2014/main" id="{BE5DCCDD-0995-4E56-8305-2970F15713AA}"/>
+                <a16:creationId xmlns:a16="http://schemas.microsoft.com/office/drawing/2014/main" id="{8EAA9C78-6E3D-4134-AC1A-ED3820615638}"/>
               </a:ext>
             </a:extLst>
           </p:cNvPr>
@@ -4729,7 +5327,7 @@
             <a:picLocks noGrp="1" noChangeAspect="1"/>
           </p:cNvPicPr>
           <p:nvPr>
-            <p:ph sz="half" idx="1"/>
+            <p:ph idx="1"/>
           </p:nvPr>
         </p:nvPicPr>
         <p:blipFill>
@@ -4746,213 +5344,116 @@
         </p:blipFill>
         <p:spPr>
           <a:xfrm>
-            <a:off x="2928843" y="3878228"/>
-            <a:ext cx="1333686" cy="390580"/>
+            <a:off x="1371600" y="3872041"/>
+            <a:ext cx="9601200" cy="409318"/>
           </a:xfrm>
         </p:spPr>
       </p:pic>
-      <p:pic>
-        <p:nvPicPr>
-          <p:cNvPr id="11" name="Объект 10">
+      <p:sp>
+        <p:nvSpPr>
+          <p:cNvPr id="9" name="TextBox 8">
             <a:extLst>
               <a:ext uri="{FF2B5EF4-FFF2-40B4-BE49-F238E27FC236}">
-                <a16:creationId xmlns:a16="http://schemas.microsoft.com/office/drawing/2014/main" id="{F2FEA148-D8E3-431E-A7BD-18B34D667630}"/>
+                <a16:creationId xmlns:a16="http://schemas.microsoft.com/office/drawing/2014/main" id="{55303538-0478-49D5-9065-4D8B32D2987E}"/>
               </a:ext>
             </a:extLst>
           </p:cNvPr>
-          <p:cNvPicPr>
-            <a:picLocks noGrp="1" noChangeAspect="1"/>
-          </p:cNvPicPr>
-          <p:nvPr>
-            <p:ph sz="half" idx="2"/>
-          </p:nvPr>
-        </p:nvPicPr>
-        <p:blipFill>
-          <a:blip r:embed="rId3">
-            <a:extLst>
-              <a:ext uri="{28A0092B-C50C-407E-A947-70E740481C1C}">
-                <a14:useLocalDpi xmlns:a14="http://schemas.microsoft.com/office/drawing/2010/main" val="0"/>
-              </a:ext>
-            </a:extLst>
-          </a:blip>
-          <a:stretch>
-            <a:fillRect/>
-          </a:stretch>
-        </p:blipFill>
-        <p:spPr>
-          <a:xfrm>
-            <a:off x="6524625" y="3970331"/>
-            <a:ext cx="4448175" cy="212738"/>
-          </a:xfrm>
-        </p:spPr>
-      </p:pic>
-      <p:sp>
-        <p:nvSpPr>
-          <p:cNvPr id="12" name="Стрелка: вправо 11">
-            <a:extLst>
-              <a:ext uri="{FF2B5EF4-FFF2-40B4-BE49-F238E27FC236}">
-                <a16:creationId xmlns:a16="http://schemas.microsoft.com/office/drawing/2014/main" id="{AC81071D-DCAE-4C6D-B5E9-6DFE1AE43559}"/>
-              </a:ext>
-            </a:extLst>
-          </p:cNvPr>
-          <p:cNvSpPr/>
+          <p:cNvSpPr txBox="1"/>
           <p:nvPr/>
         </p:nvSpPr>
         <p:spPr>
           <a:xfrm>
-            <a:off x="4907501" y="3970331"/>
-            <a:ext cx="972152" cy="206374"/>
-          </a:xfrm>
-          <a:prstGeom prst="rightArrow">
+            <a:off x="2600587" y="3938200"/>
+            <a:ext cx="8372213" cy="276999"/>
+          </a:xfrm>
+          <a:prstGeom prst="rect">
             <a:avLst/>
           </a:prstGeom>
-        </p:spPr>
-        <p:style>
-          <a:lnRef idx="2">
-            <a:schemeClr val="accent1">
-              <a:shade val="50000"/>
-            </a:schemeClr>
-          </a:lnRef>
-          <a:fillRef idx="1">
-            <a:schemeClr val="accent1"/>
-          </a:fillRef>
-          <a:effectRef idx="0">
-            <a:schemeClr val="accent1"/>
-          </a:effectRef>
-          <a:fontRef idx="minor">
-            <a:schemeClr val="lt1"/>
-          </a:fontRef>
-        </p:style>
-        <p:txBody>
-          <a:bodyPr rtlCol="0" anchor="ctr"/>
+          <a:noFill/>
+        </p:spPr>
+        <p:txBody>
+          <a:bodyPr wrap="square" rtlCol="0">
+            <a:spAutoFit/>
+          </a:bodyPr>
           <a:lstStyle/>
           <a:p>
-            <a:pPr algn="ctr"/>
-            <a:endParaRPr lang="ru-RU"/>
-          </a:p>
-        </p:txBody>
-      </p:sp>
-    </p:spTree>
-    <p:extLst>
-      <p:ext uri="{BB962C8B-B14F-4D97-AF65-F5344CB8AC3E}">
-        <p14:creationId xmlns:p14="http://schemas.microsoft.com/office/powerpoint/2010/main" val="299044021"/>
-      </p:ext>
-    </p:extLst>
-  </p:cSld>
-  <p:clrMapOvr>
-    <a:masterClrMapping/>
-  </p:clrMapOvr>
-</p:sld>
-</file>
-
-<file path=ppt/slides/slide8.xml><?xml version="1.0" encoding="utf-8"?>
-<p:sld xmlns:a="http://schemas.openxmlformats.org/drawingml/2006/main" xmlns:r="http://schemas.openxmlformats.org/officeDocument/2006/relationships" xmlns:p="http://schemas.openxmlformats.org/presentationml/2006/main">
-  <p:cSld>
-    <p:spTree>
-      <p:nvGrpSpPr>
-        <p:cNvPr id="1" name=""/>
-        <p:cNvGrpSpPr/>
-        <p:nvPr/>
-      </p:nvGrpSpPr>
-      <p:grpSpPr>
-        <a:xfrm>
-          <a:off x="0" y="0"/>
-          <a:ext cx="0" cy="0"/>
-          <a:chOff x="0" y="0"/>
-          <a:chExt cx="0" cy="0"/>
-        </a:xfrm>
-      </p:grpSpPr>
-      <p:sp>
-        <p:nvSpPr>
-          <p:cNvPr id="2" name="Заголовок 1">
-            <a:extLst>
-              <a:ext uri="{FF2B5EF4-FFF2-40B4-BE49-F238E27FC236}">
-                <a16:creationId xmlns:a16="http://schemas.microsoft.com/office/drawing/2014/main" id="{8574CBCB-731F-4443-B6E0-2F1879F25915}"/>
-              </a:ext>
-            </a:extLst>
-          </p:cNvPr>
-          <p:cNvSpPr>
-            <a:spLocks noGrp="1"/>
-          </p:cNvSpPr>
-          <p:nvPr>
-            <p:ph type="title"/>
-          </p:nvPr>
-        </p:nvSpPr>
-        <p:spPr/>
-        <p:txBody>
-          <a:bodyPr/>
-          <a:lstStyle/>
-          <a:p>
-            <a:r>
-              <a:rPr lang="en-US" dirty="0">
+            <a:r>
+              <a:rPr lang="ru-RU" sz="1200" dirty="0">
                 <a:latin typeface="Arial" panose="020B0604020202020204" pitchFamily="34" charset="0"/>
                 <a:cs typeface="Arial" panose="020B0604020202020204" pitchFamily="34" charset="0"/>
               </a:rPr>
-              <a:t>							</a:t>
-            </a:r>
-            <a:r>
-              <a:rPr lang="ru-RU" dirty="0">
+              <a:t>Вместо </a:t>
+            </a:r>
+            <a:r>
+              <a:rPr lang="en-US" sz="1200" dirty="0">
                 <a:latin typeface="Arial" panose="020B0604020202020204" pitchFamily="34" charset="0"/>
                 <a:cs typeface="Arial" panose="020B0604020202020204" pitchFamily="34" charset="0"/>
               </a:rPr>
-              <a:t>	  			          Функция </a:t>
-            </a:r>
-            <a:r>
-              <a:rPr lang="en-US" dirty="0">
+              <a:t>x </a:t>
+            </a:r>
+            <a:r>
+              <a:rPr lang="ru-RU" sz="1200" dirty="0">
                 <a:latin typeface="Arial" panose="020B0604020202020204" pitchFamily="34" charset="0"/>
                 <a:cs typeface="Arial" panose="020B0604020202020204" pitchFamily="34" charset="0"/>
               </a:rPr>
-              <a:t>!</a:t>
-            </a:r>
-            <a:r>
-              <a:rPr lang="en-US" dirty="0" err="1">
+              <a:t>пишем время в формате </a:t>
+            </a:r>
+            <a:r>
+              <a:rPr lang="en-US" sz="1200" dirty="0">
                 <a:latin typeface="Arial" panose="020B0604020202020204" pitchFamily="34" charset="0"/>
                 <a:cs typeface="Arial" panose="020B0604020202020204" pitchFamily="34" charset="0"/>
               </a:rPr>
-              <a:t>update_time</a:t>
-            </a:r>
-            <a:endParaRPr lang="ru-RU" dirty="0">
+              <a:t>00:00, </a:t>
+            </a:r>
+            <a:r>
+              <a:rPr lang="ru-RU" sz="1200" dirty="0">
+                <a:latin typeface="Arial" panose="020B0604020202020204" pitchFamily="34" charset="0"/>
+                <a:cs typeface="Arial" panose="020B0604020202020204" pitchFamily="34" charset="0"/>
+              </a:rPr>
+              <a:t>а вместо два числа слитно</a:t>
+            </a:r>
+            <a:r>
+              <a:rPr lang="en-US" sz="1200" dirty="0">
+                <a:latin typeface="Arial" panose="020B0604020202020204" pitchFamily="34" charset="0"/>
+                <a:cs typeface="Arial" panose="020B0604020202020204" pitchFamily="34" charset="0"/>
+              </a:rPr>
+              <a:t>, </a:t>
+            </a:r>
+            <a:r>
+              <a:rPr lang="ru-RU" sz="1200" dirty="0">
+                <a:latin typeface="Arial" panose="020B0604020202020204" pitchFamily="34" charset="0"/>
+                <a:cs typeface="Arial" panose="020B0604020202020204" pitchFamily="34" charset="0"/>
+              </a:rPr>
+              <a:t>это дни недели</a:t>
+            </a:r>
+            <a:r>
+              <a:rPr lang="en-US" sz="1200" dirty="0">
+                <a:latin typeface="Arial" panose="020B0604020202020204" pitchFamily="34" charset="0"/>
+                <a:cs typeface="Arial" panose="020B0604020202020204" pitchFamily="34" charset="0"/>
+              </a:rPr>
+              <a:t>, </a:t>
+            </a:r>
+            <a:r>
+              <a:rPr lang="ru-RU" sz="1200" dirty="0">
+                <a:latin typeface="Arial" panose="020B0604020202020204" pitchFamily="34" charset="0"/>
+                <a:cs typeface="Arial" panose="020B0604020202020204" pitchFamily="34" charset="0"/>
+              </a:rPr>
+              <a:t>отчёт начинается с 0</a:t>
+            </a:r>
+            <a:r>
+              <a:rPr lang="en-US" sz="1200" dirty="0">
+                <a:latin typeface="Arial" panose="020B0604020202020204" pitchFamily="34" charset="0"/>
+                <a:cs typeface="Arial" panose="020B0604020202020204" pitchFamily="34" charset="0"/>
+              </a:rPr>
+              <a:t>.</a:t>
+            </a:r>
+            <a:endParaRPr lang="ru-RU" sz="1200" dirty="0">
               <a:latin typeface="Arial" panose="020B0604020202020204" pitchFamily="34" charset="0"/>
               <a:cs typeface="Arial" panose="020B0604020202020204" pitchFamily="34" charset="0"/>
             </a:endParaRPr>
           </a:p>
         </p:txBody>
       </p:sp>
-      <p:pic>
-        <p:nvPicPr>
-          <p:cNvPr id="11" name="Объект 10">
-            <a:extLst>
-              <a:ext uri="{FF2B5EF4-FFF2-40B4-BE49-F238E27FC236}">
-                <a16:creationId xmlns:a16="http://schemas.microsoft.com/office/drawing/2014/main" id="{C295A8AF-3823-4083-9EB3-3DC830961DA0}"/>
-              </a:ext>
-            </a:extLst>
-          </p:cNvPr>
-          <p:cNvPicPr>
-            <a:picLocks noGrp="1" noChangeAspect="1"/>
-          </p:cNvPicPr>
-          <p:nvPr>
-            <p:ph idx="1"/>
-          </p:nvPr>
-        </p:nvPicPr>
-        <p:blipFill>
-          <a:blip r:embed="rId2">
-            <a:extLst>
-              <a:ext uri="{28A0092B-C50C-407E-A947-70E740481C1C}">
-                <a14:useLocalDpi xmlns:a14="http://schemas.microsoft.com/office/drawing/2010/main" val="0"/>
-              </a:ext>
-            </a:extLst>
-          </a:blip>
-          <a:stretch>
-            <a:fillRect/>
-          </a:stretch>
-        </p:blipFill>
-        <p:spPr>
-          <a:xfrm>
-            <a:off x="4819461" y="3781384"/>
-            <a:ext cx="2705478" cy="590632"/>
-          </a:xfrm>
-        </p:spPr>
-      </p:pic>
     </p:spTree>
     <p:extLst>
       <p:ext uri="{BB962C8B-B14F-4D97-AF65-F5344CB8AC3E}">
@@ -4966,7 +5467,7 @@
 </p:sld>
 </file>
 
-<file path=ppt/slides/slide9.xml><?xml version="1.0" encoding="utf-8"?>
+<file path=ppt/slides/slide8.xml><?xml version="1.0" encoding="utf-8"?>
 <p:sld xmlns:a="http://schemas.openxmlformats.org/drawingml/2006/main" xmlns:r="http://schemas.openxmlformats.org/officeDocument/2006/relationships" xmlns:p="http://schemas.openxmlformats.org/presentationml/2006/main">
   <p:cSld>
     <p:spTree>

--- a/data/Защита проекта/Презентация.pptx
+++ b/data/Защита проекта/Презентация.pptx
@@ -288,7 +288,7 @@
           <a:p>
             <a:fld id="{563E5BCA-6DD0-49F2-BA07-C6C2D4BEA2B0}" type="datetimeFigureOut">
               <a:rPr lang="ru-RU" smtClean="0"/>
-              <a:t>24.04.2020</a:t>
+              <a:t>27.04.2020</a:t>
             </a:fld>
             <a:endParaRPr lang="ru-RU"/>
           </a:p>
@@ -618,7 +618,7 @@
           <a:p>
             <a:fld id="{563E5BCA-6DD0-49F2-BA07-C6C2D4BEA2B0}" type="datetimeFigureOut">
               <a:rPr lang="ru-RU" smtClean="0"/>
-              <a:t>24.04.2020</a:t>
+              <a:t>27.04.2020</a:t>
             </a:fld>
             <a:endParaRPr lang="ru-RU"/>
           </a:p>
@@ -798,7 +798,7 @@
           <a:p>
             <a:fld id="{563E5BCA-6DD0-49F2-BA07-C6C2D4BEA2B0}" type="datetimeFigureOut">
               <a:rPr lang="ru-RU" smtClean="0"/>
-              <a:t>24.04.2020</a:t>
+              <a:t>27.04.2020</a:t>
             </a:fld>
             <a:endParaRPr lang="ru-RU"/>
           </a:p>
@@ -968,7 +968,7 @@
           <a:p>
             <a:fld id="{563E5BCA-6DD0-49F2-BA07-C6C2D4BEA2B0}" type="datetimeFigureOut">
               <a:rPr lang="ru-RU" smtClean="0"/>
-              <a:t>24.04.2020</a:t>
+              <a:t>27.04.2020</a:t>
             </a:fld>
             <a:endParaRPr lang="ru-RU"/>
           </a:p>
@@ -1245,7 +1245,7 @@
           <a:p>
             <a:fld id="{563E5BCA-6DD0-49F2-BA07-C6C2D4BEA2B0}" type="datetimeFigureOut">
               <a:rPr lang="ru-RU" smtClean="0"/>
-              <a:t>24.04.2020</a:t>
+              <a:t>27.04.2020</a:t>
             </a:fld>
             <a:endParaRPr lang="ru-RU"/>
           </a:p>
@@ -1639,7 +1639,7 @@
           <a:p>
             <a:fld id="{563E5BCA-6DD0-49F2-BA07-C6C2D4BEA2B0}" type="datetimeFigureOut">
               <a:rPr lang="ru-RU" smtClean="0"/>
-              <a:t>24.04.2020</a:t>
+              <a:t>27.04.2020</a:t>
             </a:fld>
             <a:endParaRPr lang="ru-RU"/>
           </a:p>
@@ -2116,7 +2116,7 @@
           <a:p>
             <a:fld id="{563E5BCA-6DD0-49F2-BA07-C6C2D4BEA2B0}" type="datetimeFigureOut">
               <a:rPr lang="ru-RU" smtClean="0"/>
-              <a:t>24.04.2020</a:t>
+              <a:t>27.04.2020</a:t>
             </a:fld>
             <a:endParaRPr lang="ru-RU"/>
           </a:p>
@@ -2234,7 +2234,7 @@
           <a:p>
             <a:fld id="{563E5BCA-6DD0-49F2-BA07-C6C2D4BEA2B0}" type="datetimeFigureOut">
               <a:rPr lang="ru-RU" smtClean="0"/>
-              <a:t>24.04.2020</a:t>
+              <a:t>27.04.2020</a:t>
             </a:fld>
             <a:endParaRPr lang="ru-RU"/>
           </a:p>
@@ -2329,7 +2329,7 @@
           <a:p>
             <a:fld id="{563E5BCA-6DD0-49F2-BA07-C6C2D4BEA2B0}" type="datetimeFigureOut">
               <a:rPr lang="ru-RU" smtClean="0"/>
-              <a:t>24.04.2020</a:t>
+              <a:t>27.04.2020</a:t>
             </a:fld>
             <a:endParaRPr lang="ru-RU"/>
           </a:p>
@@ -2675,7 +2675,7 @@
           <a:p>
             <a:fld id="{563E5BCA-6DD0-49F2-BA07-C6C2D4BEA2B0}" type="datetimeFigureOut">
               <a:rPr lang="ru-RU" smtClean="0"/>
-              <a:t>24.04.2020</a:t>
+              <a:t>27.04.2020</a:t>
             </a:fld>
             <a:endParaRPr lang="ru-RU"/>
           </a:p>
@@ -3063,7 +3063,7 @@
           <a:p>
             <a:fld id="{563E5BCA-6DD0-49F2-BA07-C6C2D4BEA2B0}" type="datetimeFigureOut">
               <a:rPr lang="ru-RU" smtClean="0"/>
-              <a:t>24.04.2020</a:t>
+              <a:t>27.04.2020</a:t>
             </a:fld>
             <a:endParaRPr lang="ru-RU"/>
           </a:p>
@@ -3341,7 +3341,7 @@
           <a:p>
             <a:fld id="{563E5BCA-6DD0-49F2-BA07-C6C2D4BEA2B0}" type="datetimeFigureOut">
               <a:rPr lang="ru-RU" smtClean="0"/>
-              <a:t>24.04.2020</a:t>
+              <a:t>27.04.2020</a:t>
             </a:fld>
             <a:endParaRPr lang="ru-RU"/>
           </a:p>
@@ -4183,7 +4183,7 @@
         </p:blipFill>
         <p:spPr>
           <a:xfrm>
-            <a:off x="7476351" y="1891664"/>
+            <a:off x="6705280" y="1811407"/>
             <a:ext cx="2324424" cy="1400370"/>
           </a:xfrm>
         </p:spPr>
@@ -4202,7 +4202,7 @@
         </p:nvSpPr>
         <p:spPr>
           <a:xfrm>
-            <a:off x="1378771" y="2127772"/>
+            <a:off x="1604172" y="2142260"/>
             <a:ext cx="5796793" cy="369332"/>
           </a:xfrm>
           <a:prstGeom prst="rect">
@@ -4238,7 +4238,7 @@
         <p:spPr>
           <a:xfrm>
             <a:off x="5322814" y="2143776"/>
-            <a:ext cx="1963024" cy="312431"/>
+            <a:ext cx="1145098" cy="312431"/>
           </a:xfrm>
           <a:prstGeom prst="rightArrow">
             <a:avLst/>
@@ -4283,7 +4283,7 @@
         </p:nvSpPr>
         <p:spPr>
           <a:xfrm>
-            <a:off x="3032619" y="3308038"/>
+            <a:off x="1604172" y="3295584"/>
             <a:ext cx="4938319" cy="369332"/>
           </a:xfrm>
           <a:prstGeom prst="rect">
@@ -4299,7 +4299,7 @@
           <a:p>
             <a:r>
               <a:rPr lang="ru-RU" dirty="0"/>
-              <a:t>Результат отображается здесь</a:t>
+              <a:t>Результат функций отображается здесь</a:t>
             </a:r>
           </a:p>
         </p:txBody>
@@ -4317,9 +4317,9 @@
           <p:nvPr/>
         </p:nvSpPr>
         <p:spPr>
-          <a:xfrm rot="19192255">
-            <a:off x="6479097" y="3006827"/>
-            <a:ext cx="1073791" cy="264898"/>
+          <a:xfrm rot="19203259">
+            <a:off x="5593484" y="2974975"/>
+            <a:ext cx="1145098" cy="312431"/>
           </a:xfrm>
           <a:prstGeom prst="rightArrow">
             <a:avLst/>

--- a/data/Защита проекта/Презентация.pptx
+++ b/data/Защита проекта/Презентация.pptx
@@ -4031,12 +4031,16 @@
           <a:p>
             <a:pPr algn="ctr"/>
             <a:r>
-              <a:rPr lang="ru-RU" dirty="0">
+              <a:rPr lang="ru-RU">
                 <a:latin typeface="Arial" panose="020B0604020202020204" pitchFamily="34" charset="0"/>
                 <a:cs typeface="Arial" panose="020B0604020202020204" pitchFamily="34" charset="0"/>
               </a:rPr>
-              <a:t>Актуальность</a:t>
-            </a:r>
+              <a:t>Идея</a:t>
+            </a:r>
+            <a:endParaRPr lang="ru-RU" dirty="0">
+              <a:latin typeface="Arial" panose="020B0604020202020204" pitchFamily="34" charset="0"/>
+              <a:cs typeface="Arial" panose="020B0604020202020204" pitchFamily="34" charset="0"/>
+            </a:endParaRPr>
           </a:p>
         </p:txBody>
       </p:sp>
